--- a/time-series/Project4_NonTechnicalPresentation.pptx
+++ b/time-series/Project4_NonTechnicalPresentation.pptx
@@ -6,7 +6,19 @@
   </p:sldMasterIdLst>
   <p:sldIdLst>
     <p:sldId id="256" r:id="rId2"/>
-    <p:sldId id="263" r:id="rId3"/>
+    <p:sldId id="267" r:id="rId3"/>
+    <p:sldId id="270" r:id="rId4"/>
+    <p:sldId id="271" r:id="rId5"/>
+    <p:sldId id="264" r:id="rId6"/>
+    <p:sldId id="274" r:id="rId7"/>
+    <p:sldId id="275" r:id="rId8"/>
+    <p:sldId id="268" r:id="rId9"/>
+    <p:sldId id="276" r:id="rId10"/>
+    <p:sldId id="277" r:id="rId11"/>
+    <p:sldId id="278" r:id="rId12"/>
+    <p:sldId id="279" r:id="rId13"/>
+    <p:sldId id="265" r:id="rId14"/>
+    <p:sldId id="263" r:id="rId15"/>
   </p:sldIdLst>
   <p:sldSz cx="9144000" cy="6858000" type="screen4x3"/>
   <p:notesSz cx="6858000" cy="9144000"/>
@@ -289,7 +301,7 @@
           <a:p>
             <a:fld id="{63D89B8C-7320-E246-A418-E12C10D54F44}" type="datetimeFigureOut">
               <a:rPr lang="en-US" smtClean="0"/>
-              <a:t>25/06/20</a:t>
+              <a:t>21/10/20</a:t>
             </a:fld>
             <a:endParaRPr lang="en-US"/>
           </a:p>
@@ -459,7 +471,7 @@
           <a:p>
             <a:fld id="{63D89B8C-7320-E246-A418-E12C10D54F44}" type="datetimeFigureOut">
               <a:rPr lang="en-US" smtClean="0"/>
-              <a:t>25/06/20</a:t>
+              <a:t>21/10/20</a:t>
             </a:fld>
             <a:endParaRPr lang="en-US"/>
           </a:p>
@@ -639,7 +651,7 @@
           <a:p>
             <a:fld id="{63D89B8C-7320-E246-A418-E12C10D54F44}" type="datetimeFigureOut">
               <a:rPr lang="en-US" smtClean="0"/>
-              <a:t>25/06/20</a:t>
+              <a:t>21/10/20</a:t>
             </a:fld>
             <a:endParaRPr lang="en-US"/>
           </a:p>
@@ -809,7 +821,7 @@
           <a:p>
             <a:fld id="{63D89B8C-7320-E246-A418-E12C10D54F44}" type="datetimeFigureOut">
               <a:rPr lang="en-US" smtClean="0"/>
-              <a:t>25/06/20</a:t>
+              <a:t>21/10/20</a:t>
             </a:fld>
             <a:endParaRPr lang="en-US"/>
           </a:p>
@@ -1055,7 +1067,7 @@
           <a:p>
             <a:fld id="{63D89B8C-7320-E246-A418-E12C10D54F44}" type="datetimeFigureOut">
               <a:rPr lang="en-US" smtClean="0"/>
-              <a:t>25/06/20</a:t>
+              <a:t>21/10/20</a:t>
             </a:fld>
             <a:endParaRPr lang="en-US"/>
           </a:p>
@@ -1343,7 +1355,7 @@
           <a:p>
             <a:fld id="{63D89B8C-7320-E246-A418-E12C10D54F44}" type="datetimeFigureOut">
               <a:rPr lang="en-US" smtClean="0"/>
-              <a:t>25/06/20</a:t>
+              <a:t>21/10/20</a:t>
             </a:fld>
             <a:endParaRPr lang="en-US"/>
           </a:p>
@@ -1765,7 +1777,7 @@
           <a:p>
             <a:fld id="{63D89B8C-7320-E246-A418-E12C10D54F44}" type="datetimeFigureOut">
               <a:rPr lang="en-US" smtClean="0"/>
-              <a:t>25/06/20</a:t>
+              <a:t>21/10/20</a:t>
             </a:fld>
             <a:endParaRPr lang="en-US"/>
           </a:p>
@@ -1883,7 +1895,7 @@
           <a:p>
             <a:fld id="{63D89B8C-7320-E246-A418-E12C10D54F44}" type="datetimeFigureOut">
               <a:rPr lang="en-US" smtClean="0"/>
-              <a:t>25/06/20</a:t>
+              <a:t>21/10/20</a:t>
             </a:fld>
             <a:endParaRPr lang="en-US"/>
           </a:p>
@@ -1978,7 +1990,7 @@
           <a:p>
             <a:fld id="{63D89B8C-7320-E246-A418-E12C10D54F44}" type="datetimeFigureOut">
               <a:rPr lang="en-US" smtClean="0"/>
-              <a:t>25/06/20</a:t>
+              <a:t>21/10/20</a:t>
             </a:fld>
             <a:endParaRPr lang="en-US"/>
           </a:p>
@@ -2255,7 +2267,7 @@
           <a:p>
             <a:fld id="{63D89B8C-7320-E246-A418-E12C10D54F44}" type="datetimeFigureOut">
               <a:rPr lang="en-US" smtClean="0"/>
-              <a:t>25/06/20</a:t>
+              <a:t>21/10/20</a:t>
             </a:fld>
             <a:endParaRPr lang="en-US"/>
           </a:p>
@@ -2508,7 +2520,7 @@
           <a:p>
             <a:fld id="{63D89B8C-7320-E246-A418-E12C10D54F44}" type="datetimeFigureOut">
               <a:rPr lang="en-US" smtClean="0"/>
-              <a:t>25/06/20</a:t>
+              <a:t>21/10/20</a:t>
             </a:fld>
             <a:endParaRPr lang="en-US"/>
           </a:p>
@@ -2721,7 +2733,7 @@
           <a:p>
             <a:fld id="{63D89B8C-7320-E246-A418-E12C10D54F44}" type="datetimeFigureOut">
               <a:rPr lang="en-US" smtClean="0"/>
-              <a:t>25/06/20</a:t>
+              <a:t>21/10/20</a:t>
             </a:fld>
             <a:endParaRPr lang="en-US"/>
           </a:p>
@@ -3106,7 +3118,12 @@
             <p:ph type="ctrTitle"/>
           </p:nvPr>
         </p:nvSpPr>
-        <p:spPr/>
+        <p:spPr>
+          <a:xfrm>
+            <a:off x="685800" y="1725126"/>
+            <a:ext cx="7772400" cy="1470025"/>
+          </a:xfrm>
+        </p:spPr>
         <p:txBody>
           <a:bodyPr>
             <a:normAutofit/>
@@ -3114,10 +3131,22 @@
           <a:lstStyle/>
           <a:p>
             <a:r>
-              <a:rPr lang="en-US" dirty="0" smtClean="0"/>
+              <a:rPr lang="en-US" b="1" dirty="0" smtClean="0">
+                <a:solidFill>
+                  <a:schemeClr val="accent1">
+                    <a:lumMod val="75000"/>
+                  </a:schemeClr>
+                </a:solidFill>
+              </a:rPr>
               <a:t>Time Series Modeling</a:t>
             </a:r>
-            <a:endParaRPr lang="en-US" dirty="0"/>
+            <a:endParaRPr lang="en-US" b="1" dirty="0">
+              <a:solidFill>
+                <a:schemeClr val="accent1">
+                  <a:lumMod val="75000"/>
+                </a:schemeClr>
+              </a:solidFill>
+            </a:endParaRPr>
           </a:p>
         </p:txBody>
       </p:sp>
@@ -3131,16 +3160,59 @@
             <p:ph type="subTitle" idx="1"/>
           </p:nvPr>
         </p:nvSpPr>
-        <p:spPr/>
+        <p:spPr>
+          <a:xfrm>
+            <a:off x="1371600" y="3440371"/>
+            <a:ext cx="6400800" cy="1752600"/>
+          </a:xfrm>
+        </p:spPr>
         <p:txBody>
           <a:bodyPr/>
           <a:lstStyle/>
           <a:p>
             <a:r>
-              <a:rPr lang="en-US" dirty="0" smtClean="0"/>
-              <a:t>Zillow House Sales Data</a:t>
-            </a:r>
-            <a:endParaRPr lang="en-US" dirty="0"/>
+              <a:rPr lang="en-US" dirty="0" smtClean="0">
+                <a:solidFill>
+                  <a:schemeClr val="tx2">
+                    <a:lumMod val="60000"/>
+                    <a:lumOff val="40000"/>
+                  </a:schemeClr>
+                </a:solidFill>
+              </a:rPr>
+              <a:t>Zillow House Sales </a:t>
+            </a:r>
+            <a:r>
+              <a:rPr lang="en-US" dirty="0" smtClean="0">
+                <a:solidFill>
+                  <a:schemeClr val="tx2">
+                    <a:lumMod val="60000"/>
+                    <a:lumOff val="40000"/>
+                  </a:schemeClr>
+                </a:solidFill>
+              </a:rPr>
+              <a:t>Data</a:t>
+            </a:r>
+          </a:p>
+          <a:p>
+            <a:r>
+              <a:rPr lang="en-US" dirty="0" smtClean="0">
+                <a:solidFill>
+                  <a:schemeClr val="tx2">
+                    <a:lumMod val="60000"/>
+                    <a:lumOff val="40000"/>
+                  </a:schemeClr>
+                </a:solidFill>
+              </a:rPr>
+              <a:t>Real Estate Investment Analysis</a:t>
+            </a:r>
+            <a:endParaRPr lang="en-US" dirty="0">
+              <a:solidFill>
+                <a:schemeClr val="tx2">
+                  <a:lumMod val="60000"/>
+                  <a:lumOff val="40000"/>
+                </a:schemeClr>
+              </a:solidFill>
+            </a:endParaRPr>
           </a:p>
         </p:txBody>
       </p:sp>
@@ -3174,6 +3246,1154 @@
     <p:extLst>
       <p:ext uri="{BB962C8B-B14F-4D97-AF65-F5344CB8AC3E}">
         <p14:creationId xmlns:p14="http://schemas.microsoft.com/office/powerpoint/2010/main" val="2807200286"/>
+      </p:ext>
+    </p:extLst>
+  </p:cSld>
+  <p:clrMapOvr>
+    <a:masterClrMapping/>
+  </p:clrMapOvr>
+  <p:timing>
+    <p:tnLst>
+      <p:par>
+        <p:cTn xmlns:p14="http://schemas.microsoft.com/office/powerpoint/2010/main" id="1" dur="indefinite" restart="never" nodeType="tmRoot"/>
+      </p:par>
+    </p:tnLst>
+  </p:timing>
+</p:sld>
+</file>
+
+<file path=ppt/slides/slide10.xml><?xml version="1.0" encoding="utf-8"?>
+<p:sld xmlns:a="http://schemas.openxmlformats.org/drawingml/2006/main" xmlns:r="http://schemas.openxmlformats.org/officeDocument/2006/relationships" xmlns:p="http://schemas.openxmlformats.org/presentationml/2006/main">
+  <p:cSld>
+    <p:spTree>
+      <p:nvGrpSpPr>
+        <p:cNvPr id="1" name=""/>
+        <p:cNvGrpSpPr/>
+        <p:nvPr/>
+      </p:nvGrpSpPr>
+      <p:grpSpPr>
+        <a:xfrm>
+          <a:off x="0" y="0"/>
+          <a:ext cx="0" cy="0"/>
+          <a:chOff x="0" y="0"/>
+          <a:chExt cx="0" cy="0"/>
+        </a:xfrm>
+      </p:grpSpPr>
+      <p:sp>
+        <p:nvSpPr>
+          <p:cNvPr id="2" name="Title 1"/>
+          <p:cNvSpPr>
+            <a:spLocks noGrp="1"/>
+          </p:cNvSpPr>
+          <p:nvPr>
+            <p:ph type="title"/>
+          </p:nvPr>
+        </p:nvSpPr>
+        <p:spPr/>
+        <p:txBody>
+          <a:bodyPr>
+            <a:normAutofit fontScale="90000"/>
+          </a:bodyPr>
+          <a:lstStyle/>
+          <a:p>
+            <a:r>
+              <a:rPr lang="en-US" dirty="0" smtClean="0"/>
+              <a:t>Zipcode Analysis</a:t>
+            </a:r>
+            <a:br>
+              <a:rPr lang="en-US" dirty="0" smtClean="0"/>
+            </a:br>
+            <a:r>
+              <a:rPr lang="en-US" dirty="0" smtClean="0"/>
+              <a:t>Price Prediction</a:t>
+            </a:r>
+            <a:endParaRPr lang="en-US" dirty="0"/>
+          </a:p>
+        </p:txBody>
+      </p:sp>
+      <p:pic>
+        <p:nvPicPr>
+          <p:cNvPr id="5" name="Picture 4" descr="output_007.png"/>
+          <p:cNvPicPr>
+            <a:picLocks noChangeAspect="1"/>
+          </p:cNvPicPr>
+          <p:nvPr/>
+        </p:nvPicPr>
+        <p:blipFill>
+          <a:blip r:embed="rId2">
+            <a:extLst>
+              <a:ext uri="{28A0092B-C50C-407E-A947-70E740481C1C}">
+                <a14:useLocalDpi xmlns:a14="http://schemas.microsoft.com/office/drawing/2010/main" val="0"/>
+              </a:ext>
+            </a:extLst>
+          </a:blip>
+          <a:stretch>
+            <a:fillRect/>
+          </a:stretch>
+        </p:blipFill>
+        <p:spPr>
+          <a:xfrm>
+            <a:off x="542661" y="2385369"/>
+            <a:ext cx="8144139" cy="4067098"/>
+          </a:xfrm>
+          <a:prstGeom prst="rect">
+            <a:avLst/>
+          </a:prstGeom>
+        </p:spPr>
+      </p:pic>
+      <p:sp>
+        <p:nvSpPr>
+          <p:cNvPr id="6" name="TextBox 5"/>
+          <p:cNvSpPr txBox="1"/>
+          <p:nvPr/>
+        </p:nvSpPr>
+        <p:spPr>
+          <a:xfrm>
+            <a:off x="5269537" y="1675237"/>
+            <a:ext cx="3256305" cy="369332"/>
+          </a:xfrm>
+          <a:prstGeom prst="rect">
+            <a:avLst/>
+          </a:prstGeom>
+          <a:noFill/>
+        </p:spPr>
+        <p:txBody>
+          <a:bodyPr wrap="square" rtlCol="0">
+            <a:spAutoFit/>
+          </a:bodyPr>
+          <a:lstStyle/>
+          <a:p>
+            <a:r>
+              <a:rPr lang="en-US" dirty="0" smtClean="0">
+                <a:solidFill>
+                  <a:schemeClr val="tx2">
+                    <a:lumMod val="60000"/>
+                    <a:lumOff val="40000"/>
+                  </a:schemeClr>
+                </a:solidFill>
+              </a:rPr>
+              <a:t>Example Results: Zipcode 60647 </a:t>
+            </a:r>
+            <a:endParaRPr lang="en-US" dirty="0">
+              <a:solidFill>
+                <a:schemeClr val="tx2">
+                  <a:lumMod val="60000"/>
+                  <a:lumOff val="40000"/>
+                </a:schemeClr>
+              </a:solidFill>
+            </a:endParaRPr>
+          </a:p>
+        </p:txBody>
+      </p:sp>
+    </p:spTree>
+    <p:extLst>
+      <p:ext uri="{BB962C8B-B14F-4D97-AF65-F5344CB8AC3E}">
+        <p14:creationId xmlns:p14="http://schemas.microsoft.com/office/powerpoint/2010/main" val="2617976895"/>
+      </p:ext>
+    </p:extLst>
+  </p:cSld>
+  <p:clrMapOvr>
+    <a:masterClrMapping/>
+  </p:clrMapOvr>
+</p:sld>
+</file>
+
+<file path=ppt/slides/slide11.xml><?xml version="1.0" encoding="utf-8"?>
+<p:sld xmlns:a="http://schemas.openxmlformats.org/drawingml/2006/main" xmlns:r="http://schemas.openxmlformats.org/officeDocument/2006/relationships" xmlns:p="http://schemas.openxmlformats.org/presentationml/2006/main">
+  <p:cSld>
+    <p:spTree>
+      <p:nvGrpSpPr>
+        <p:cNvPr id="1" name=""/>
+        <p:cNvGrpSpPr/>
+        <p:nvPr/>
+      </p:nvGrpSpPr>
+      <p:grpSpPr>
+        <a:xfrm>
+          <a:off x="0" y="0"/>
+          <a:ext cx="0" cy="0"/>
+          <a:chOff x="0" y="0"/>
+          <a:chExt cx="0" cy="0"/>
+        </a:xfrm>
+      </p:grpSpPr>
+      <p:sp>
+        <p:nvSpPr>
+          <p:cNvPr id="2" name="Title 1"/>
+          <p:cNvSpPr>
+            <a:spLocks noGrp="1"/>
+          </p:cNvSpPr>
+          <p:nvPr>
+            <p:ph type="title"/>
+          </p:nvPr>
+        </p:nvSpPr>
+        <p:spPr/>
+        <p:txBody>
+          <a:bodyPr>
+            <a:normAutofit fontScale="90000"/>
+          </a:bodyPr>
+          <a:lstStyle/>
+          <a:p>
+            <a:r>
+              <a:rPr lang="en-US" dirty="0" smtClean="0"/>
+              <a:t>Zipcode Analysis</a:t>
+            </a:r>
+            <a:br>
+              <a:rPr lang="en-US" dirty="0" smtClean="0"/>
+            </a:br>
+            <a:r>
+              <a:rPr lang="en-US" dirty="0" smtClean="0"/>
+              <a:t>Price Prediction</a:t>
+            </a:r>
+            <a:endParaRPr lang="en-US" dirty="0"/>
+          </a:p>
+        </p:txBody>
+      </p:sp>
+      <p:pic>
+        <p:nvPicPr>
+          <p:cNvPr id="3" name="Picture 2" descr="output_008.png"/>
+          <p:cNvPicPr>
+            <a:picLocks noChangeAspect="1"/>
+          </p:cNvPicPr>
+          <p:nvPr/>
+        </p:nvPicPr>
+        <p:blipFill>
+          <a:blip r:embed="rId2">
+            <a:extLst>
+              <a:ext uri="{28A0092B-C50C-407E-A947-70E740481C1C}">
+                <a14:useLocalDpi xmlns:a14="http://schemas.microsoft.com/office/drawing/2010/main" val="0"/>
+              </a:ext>
+            </a:extLst>
+          </a:blip>
+          <a:stretch>
+            <a:fillRect/>
+          </a:stretch>
+        </p:blipFill>
+        <p:spPr>
+          <a:xfrm>
+            <a:off x="197056" y="1796826"/>
+            <a:ext cx="8798316" cy="3945736"/>
+          </a:xfrm>
+          <a:prstGeom prst="rect">
+            <a:avLst/>
+          </a:prstGeom>
+        </p:spPr>
+      </p:pic>
+    </p:spTree>
+    <p:extLst>
+      <p:ext uri="{BB962C8B-B14F-4D97-AF65-F5344CB8AC3E}">
+        <p14:creationId xmlns:p14="http://schemas.microsoft.com/office/powerpoint/2010/main" val="3998067156"/>
+      </p:ext>
+    </p:extLst>
+  </p:cSld>
+  <p:clrMapOvr>
+    <a:masterClrMapping/>
+  </p:clrMapOvr>
+</p:sld>
+</file>
+
+<file path=ppt/slides/slide12.xml><?xml version="1.0" encoding="utf-8"?>
+<p:sld xmlns:a="http://schemas.openxmlformats.org/drawingml/2006/main" xmlns:r="http://schemas.openxmlformats.org/officeDocument/2006/relationships" xmlns:p="http://schemas.openxmlformats.org/presentationml/2006/main">
+  <p:cSld>
+    <p:spTree>
+      <p:nvGrpSpPr>
+        <p:cNvPr id="1" name=""/>
+        <p:cNvGrpSpPr/>
+        <p:nvPr/>
+      </p:nvGrpSpPr>
+      <p:grpSpPr>
+        <a:xfrm>
+          <a:off x="0" y="0"/>
+          <a:ext cx="0" cy="0"/>
+          <a:chOff x="0" y="0"/>
+          <a:chExt cx="0" cy="0"/>
+        </a:xfrm>
+      </p:grpSpPr>
+      <p:sp>
+        <p:nvSpPr>
+          <p:cNvPr id="2" name="Title 1"/>
+          <p:cNvSpPr>
+            <a:spLocks noGrp="1"/>
+          </p:cNvSpPr>
+          <p:nvPr>
+            <p:ph type="title"/>
+          </p:nvPr>
+        </p:nvSpPr>
+        <p:spPr>
+          <a:xfrm>
+            <a:off x="3675166" y="733978"/>
+            <a:ext cx="5106216" cy="1143000"/>
+          </a:xfrm>
+        </p:spPr>
+        <p:txBody>
+          <a:bodyPr>
+            <a:normAutofit fontScale="90000"/>
+          </a:bodyPr>
+          <a:lstStyle/>
+          <a:p>
+            <a:r>
+              <a:rPr lang="en-US" dirty="0" smtClean="0"/>
+              <a:t>Predicted 10 YR ROI</a:t>
+            </a:r>
+            <a:br>
+              <a:rPr lang="en-US" dirty="0" smtClean="0"/>
+            </a:br>
+            <a:r>
+              <a:rPr lang="en-US" dirty="0"/>
+              <a:t/>
+            </a:r>
+            <a:br>
+              <a:rPr lang="en-US" dirty="0"/>
+            </a:br>
+            <a:r>
+              <a:rPr lang="en-US" dirty="0" smtClean="0">
+                <a:solidFill>
+                  <a:srgbClr val="558ED5"/>
+                </a:solidFill>
+              </a:rPr>
+              <a:t>$100k Investment</a:t>
+            </a:r>
+            <a:endParaRPr lang="en-US" dirty="0">
+              <a:solidFill>
+                <a:srgbClr val="558ED5"/>
+              </a:solidFill>
+            </a:endParaRPr>
+          </a:p>
+        </p:txBody>
+      </p:sp>
+      <p:pic>
+        <p:nvPicPr>
+          <p:cNvPr id="4" name="Picture 3" descr="hand-gives-home-and-key-to-other-hand-with-money-cash-vector-id926274952.jpg"/>
+          <p:cNvPicPr>
+            <a:picLocks noChangeAspect="1"/>
+          </p:cNvPicPr>
+          <p:nvPr/>
+        </p:nvPicPr>
+        <p:blipFill>
+          <a:blip r:embed="rId2">
+            <a:extLst>
+              <a:ext uri="{28A0092B-C50C-407E-A947-70E740481C1C}">
+                <a14:useLocalDpi xmlns:a14="http://schemas.microsoft.com/office/drawing/2010/main" val="0"/>
+              </a:ext>
+            </a:extLst>
+          </a:blip>
+          <a:stretch>
+            <a:fillRect/>
+          </a:stretch>
+        </p:blipFill>
+        <p:spPr>
+          <a:xfrm>
+            <a:off x="364813" y="274638"/>
+            <a:ext cx="3492903" cy="2340984"/>
+          </a:xfrm>
+          <a:prstGeom prst="rect">
+            <a:avLst/>
+          </a:prstGeom>
+        </p:spPr>
+      </p:pic>
+      <p:sp>
+        <p:nvSpPr>
+          <p:cNvPr id="5" name="TextBox 4"/>
+          <p:cNvSpPr txBox="1"/>
+          <p:nvPr/>
+        </p:nvSpPr>
+        <p:spPr>
+          <a:xfrm>
+            <a:off x="2540187" y="3161333"/>
+            <a:ext cx="5377631" cy="3508653"/>
+          </a:xfrm>
+          <a:prstGeom prst="rect">
+            <a:avLst/>
+          </a:prstGeom>
+          <a:noFill/>
+        </p:spPr>
+        <p:txBody>
+          <a:bodyPr wrap="square" rtlCol="0">
+            <a:spAutoFit/>
+          </a:bodyPr>
+          <a:lstStyle/>
+          <a:p>
+            <a:r>
+              <a:rPr lang="en-US" sz="2800" b="1" dirty="0" smtClean="0">
+                <a:solidFill>
+                  <a:schemeClr val="tx2">
+                    <a:lumMod val="60000"/>
+                    <a:lumOff val="40000"/>
+                  </a:schemeClr>
+                </a:solidFill>
+              </a:rPr>
+              <a:t>ZIPCODE</a:t>
+            </a:r>
+            <a:r>
+              <a:rPr lang="en-US" sz="2800" b="1" dirty="0" smtClean="0">
+                <a:solidFill>
+                  <a:schemeClr val="accent3">
+                    <a:lumMod val="75000"/>
+                  </a:schemeClr>
+                </a:solidFill>
+              </a:rPr>
+              <a:t> </a:t>
+            </a:r>
+          </a:p>
+          <a:p>
+            <a:r>
+              <a:rPr lang="fr-FR" sz="2800" dirty="0" smtClean="0">
+                <a:solidFill>
+                  <a:srgbClr val="558ED5"/>
+                </a:solidFill>
+              </a:rPr>
+              <a:t>60647</a:t>
+            </a:r>
+            <a:r>
+              <a:rPr lang="fr-FR" sz="2800" dirty="0" smtClean="0">
+                <a:solidFill>
+                  <a:schemeClr val="accent3">
+                    <a:lumMod val="75000"/>
+                  </a:schemeClr>
+                </a:solidFill>
+              </a:rPr>
+              <a:t>   			$12,630</a:t>
+            </a:r>
+          </a:p>
+          <a:p>
+            <a:r>
+              <a:rPr lang="fr-FR" sz="2800" dirty="0" smtClean="0">
+                <a:solidFill>
+                  <a:srgbClr val="558ED5"/>
+                </a:solidFill>
+              </a:rPr>
+              <a:t>60642</a:t>
+            </a:r>
+            <a:r>
+              <a:rPr lang="fr-FR" sz="2800" dirty="0" smtClean="0">
+                <a:solidFill>
+                  <a:schemeClr val="accent3">
+                    <a:lumMod val="75000"/>
+                  </a:schemeClr>
+                </a:solidFill>
+              </a:rPr>
+              <a:t> 			$84,370</a:t>
+            </a:r>
+          </a:p>
+          <a:p>
+            <a:r>
+              <a:rPr lang="fr-FR" sz="2800" dirty="0" smtClean="0">
+                <a:solidFill>
+                  <a:srgbClr val="558ED5"/>
+                </a:solidFill>
+              </a:rPr>
+              <a:t>60622</a:t>
+            </a:r>
+            <a:r>
+              <a:rPr lang="fr-FR" sz="2800" dirty="0" smtClean="0">
+                <a:solidFill>
+                  <a:schemeClr val="accent3">
+                    <a:lumMod val="75000"/>
+                  </a:schemeClr>
+                </a:solidFill>
+              </a:rPr>
+              <a:t> 			$66,530</a:t>
+            </a:r>
+          </a:p>
+          <a:p>
+            <a:r>
+              <a:rPr lang="fr-FR" sz="2800" dirty="0" smtClean="0">
+                <a:solidFill>
+                  <a:srgbClr val="558ED5"/>
+                </a:solidFill>
+              </a:rPr>
+              <a:t>60618</a:t>
+            </a:r>
+            <a:r>
+              <a:rPr lang="fr-FR" sz="2800" dirty="0" smtClean="0">
+                <a:solidFill>
+                  <a:schemeClr val="accent3">
+                    <a:lumMod val="75000"/>
+                  </a:schemeClr>
+                </a:solidFill>
+              </a:rPr>
+              <a:t>   			$26,650</a:t>
+            </a:r>
+          </a:p>
+          <a:p>
+            <a:r>
+              <a:rPr lang="fr-FR" sz="2800" dirty="0" smtClean="0">
+                <a:solidFill>
+                  <a:srgbClr val="558ED5"/>
+                </a:solidFill>
+              </a:rPr>
+              <a:t>60654</a:t>
+            </a:r>
+            <a:r>
+              <a:rPr lang="fr-FR" sz="2800" dirty="0" smtClean="0">
+                <a:solidFill>
+                  <a:schemeClr val="accent3">
+                    <a:lumMod val="75000"/>
+                  </a:schemeClr>
+                </a:solidFill>
+              </a:rPr>
+              <a:t>  			$47,660</a:t>
+            </a:r>
+            <a:endParaRPr lang="en-US" sz="2800" dirty="0" smtClean="0">
+              <a:solidFill>
+                <a:schemeClr val="accent3">
+                  <a:lumMod val="75000"/>
+                </a:schemeClr>
+              </a:solidFill>
+            </a:endParaRPr>
+          </a:p>
+          <a:p>
+            <a:endParaRPr lang="en-US" dirty="0"/>
+          </a:p>
+          <a:p>
+            <a:endParaRPr lang="en-US" dirty="0" smtClean="0"/>
+          </a:p>
+          <a:p>
+            <a:endParaRPr lang="en-US" dirty="0" smtClean="0"/>
+          </a:p>
+        </p:txBody>
+      </p:sp>
+    </p:spTree>
+    <p:extLst>
+      <p:ext uri="{BB962C8B-B14F-4D97-AF65-F5344CB8AC3E}">
+        <p14:creationId xmlns:p14="http://schemas.microsoft.com/office/powerpoint/2010/main" val="3188862430"/>
+      </p:ext>
+    </p:extLst>
+  </p:cSld>
+  <p:clrMapOvr>
+    <a:masterClrMapping/>
+  </p:clrMapOvr>
+</p:sld>
+</file>
+
+<file path=ppt/slides/slide13.xml><?xml version="1.0" encoding="utf-8"?>
+<p:sld xmlns:a="http://schemas.openxmlformats.org/drawingml/2006/main" xmlns:r="http://schemas.openxmlformats.org/officeDocument/2006/relationships" xmlns:p="http://schemas.openxmlformats.org/presentationml/2006/main">
+  <p:cSld>
+    <p:spTree>
+      <p:nvGrpSpPr>
+        <p:cNvPr id="1" name=""/>
+        <p:cNvGrpSpPr/>
+        <p:nvPr/>
+      </p:nvGrpSpPr>
+      <p:grpSpPr>
+        <a:xfrm>
+          <a:off x="0" y="0"/>
+          <a:ext cx="0" cy="0"/>
+          <a:chOff x="0" y="0"/>
+          <a:chExt cx="0" cy="0"/>
+        </a:xfrm>
+      </p:grpSpPr>
+      <p:sp>
+        <p:nvSpPr>
+          <p:cNvPr id="2" name="Title 1"/>
+          <p:cNvSpPr>
+            <a:spLocks noGrp="1"/>
+          </p:cNvSpPr>
+          <p:nvPr>
+            <p:ph type="title"/>
+          </p:nvPr>
+        </p:nvSpPr>
+        <p:spPr/>
+        <p:txBody>
+          <a:bodyPr/>
+          <a:lstStyle/>
+          <a:p>
+            <a:r>
+              <a:rPr lang="en-US" dirty="0" smtClean="0"/>
+              <a:t>Recommendations</a:t>
+            </a:r>
+            <a:endParaRPr lang="en-US" dirty="0"/>
+          </a:p>
+        </p:txBody>
+      </p:sp>
+      <p:sp>
+        <p:nvSpPr>
+          <p:cNvPr id="3" name="Content Placeholder 2"/>
+          <p:cNvSpPr>
+            <a:spLocks noGrp="1"/>
+          </p:cNvSpPr>
+          <p:nvPr>
+            <p:ph idx="1"/>
+          </p:nvPr>
+        </p:nvSpPr>
+        <p:spPr/>
+        <p:txBody>
+          <a:bodyPr>
+            <a:normAutofit fontScale="77500" lnSpcReduction="20000"/>
+          </a:bodyPr>
+          <a:lstStyle/>
+          <a:p>
+            <a:pPr marL="0" indent="0">
+              <a:buNone/>
+            </a:pPr>
+            <a:r>
+              <a:rPr lang="en-US" dirty="0" smtClean="0">
+                <a:solidFill>
+                  <a:schemeClr val="tx2">
+                    <a:lumMod val="75000"/>
+                  </a:schemeClr>
+                </a:solidFill>
+              </a:rPr>
+              <a:t>This </a:t>
+            </a:r>
+            <a:r>
+              <a:rPr lang="en-US" dirty="0">
+                <a:solidFill>
+                  <a:schemeClr val="tx2">
+                    <a:lumMod val="75000"/>
+                  </a:schemeClr>
+                </a:solidFill>
+              </a:rPr>
+              <a:t>analysis may be adjusted to </a:t>
+            </a:r>
+            <a:r>
+              <a:rPr lang="en-US" dirty="0" smtClean="0">
+                <a:solidFill>
+                  <a:schemeClr val="tx2">
+                    <a:lumMod val="75000"/>
+                  </a:schemeClr>
+                </a:solidFill>
+              </a:rPr>
+              <a:t>analyze </a:t>
+            </a:r>
+            <a:r>
+              <a:rPr lang="en-US" dirty="0">
+                <a:solidFill>
+                  <a:schemeClr val="tx2">
+                    <a:lumMod val="75000"/>
+                  </a:schemeClr>
+                </a:solidFill>
+              </a:rPr>
+              <a:t>data of a number of permutations of risk profiles including for example:</a:t>
+            </a:r>
+          </a:p>
+          <a:p>
+            <a:pPr marL="0" indent="0">
+              <a:buNone/>
+            </a:pPr>
+            <a:r>
+              <a:rPr lang="en-US" dirty="0">
+                <a:solidFill>
+                  <a:schemeClr val="tx2">
+                    <a:lumMod val="75000"/>
+                  </a:schemeClr>
+                </a:solidFill>
+              </a:rPr>
+              <a:t>    - </a:t>
+            </a:r>
+            <a:r>
+              <a:rPr lang="en-US" dirty="0" smtClean="0">
+                <a:solidFill>
+                  <a:schemeClr val="tx2">
+                    <a:lumMod val="75000"/>
+                  </a:schemeClr>
+                </a:solidFill>
+              </a:rPr>
+              <a:t>By Country, city</a:t>
+            </a:r>
+            <a:r>
+              <a:rPr lang="en-US" dirty="0">
+                <a:solidFill>
+                  <a:schemeClr val="tx2">
+                    <a:lumMod val="75000"/>
+                  </a:schemeClr>
+                </a:solidFill>
+              </a:rPr>
+              <a:t>, state or region code</a:t>
+            </a:r>
+          </a:p>
+          <a:p>
+            <a:pPr marL="0" indent="0">
+              <a:buNone/>
+            </a:pPr>
+            <a:r>
+              <a:rPr lang="en-US" dirty="0">
+                <a:solidFill>
+                  <a:schemeClr val="tx2">
+                    <a:lumMod val="75000"/>
+                  </a:schemeClr>
+                </a:solidFill>
+              </a:rPr>
+              <a:t>    - At different time periods including the full time </a:t>
+            </a:r>
+            <a:r>
+              <a:rPr lang="en-US" dirty="0" smtClean="0">
+                <a:solidFill>
+                  <a:schemeClr val="tx2">
+                    <a:lumMod val="75000"/>
+                  </a:schemeClr>
+                </a:solidFill>
+              </a:rPr>
+              <a:t>period or 	other entry points depending on the requirements of the 	investor.</a:t>
+            </a:r>
+            <a:endParaRPr lang="en-US" dirty="0">
+              <a:solidFill>
+                <a:schemeClr val="tx2">
+                  <a:lumMod val="75000"/>
+                </a:schemeClr>
+              </a:solidFill>
+            </a:endParaRPr>
+          </a:p>
+          <a:p>
+            <a:pPr marL="0" indent="0">
+              <a:buNone/>
+            </a:pPr>
+            <a:endParaRPr lang="en-US" dirty="0">
+              <a:solidFill>
+                <a:schemeClr val="tx2">
+                  <a:lumMod val="75000"/>
+                </a:schemeClr>
+              </a:solidFill>
+            </a:endParaRPr>
+          </a:p>
+          <a:p>
+            <a:pPr marL="0" indent="0">
+              <a:buNone/>
+            </a:pPr>
+            <a:r>
+              <a:rPr lang="en-US" dirty="0" smtClean="0">
+                <a:solidFill>
+                  <a:schemeClr val="tx2">
+                    <a:lumMod val="75000"/>
+                  </a:schemeClr>
+                </a:solidFill>
+              </a:rPr>
+              <a:t>Some zipcodes </a:t>
+            </a:r>
+            <a:r>
+              <a:rPr lang="en-US" dirty="0">
+                <a:solidFill>
+                  <a:schemeClr val="tx2">
+                    <a:lumMod val="75000"/>
+                  </a:schemeClr>
+                </a:solidFill>
+              </a:rPr>
+              <a:t>showed a strong investment entry strategy at the beginning of each year and some </a:t>
+            </a:r>
+            <a:r>
+              <a:rPr lang="en-US" dirty="0" smtClean="0">
+                <a:solidFill>
+                  <a:schemeClr val="tx2">
+                    <a:lumMod val="75000"/>
+                  </a:schemeClr>
+                </a:solidFill>
+              </a:rPr>
+              <a:t>showed more </a:t>
+            </a:r>
+            <a:r>
+              <a:rPr lang="en-US" dirty="0">
+                <a:solidFill>
+                  <a:schemeClr val="tx2">
+                    <a:lumMod val="75000"/>
+                  </a:schemeClr>
+                </a:solidFill>
+              </a:rPr>
+              <a:t>than one strong investment entry point at the beginning and mid year.  </a:t>
+            </a:r>
+            <a:endParaRPr lang="en-US" dirty="0" smtClean="0">
+              <a:solidFill>
+                <a:schemeClr val="tx2">
+                  <a:lumMod val="75000"/>
+                </a:schemeClr>
+              </a:solidFill>
+            </a:endParaRPr>
+          </a:p>
+          <a:p>
+            <a:pPr marL="0" indent="0">
+              <a:buNone/>
+            </a:pPr>
+            <a:endParaRPr lang="en-US" dirty="0">
+              <a:solidFill>
+                <a:schemeClr val="tx2">
+                  <a:lumMod val="75000"/>
+                </a:schemeClr>
+              </a:solidFill>
+            </a:endParaRPr>
+          </a:p>
+          <a:p>
+            <a:pPr marL="0" indent="0">
+              <a:buNone/>
+            </a:pPr>
+            <a:r>
+              <a:rPr lang="en-US" dirty="0" smtClean="0">
+                <a:solidFill>
+                  <a:schemeClr val="tx2">
+                    <a:lumMod val="75000"/>
+                  </a:schemeClr>
+                </a:solidFill>
+              </a:rPr>
+              <a:t>The Data can be analyzed over different time period averages for example yearly, monthly and daily</a:t>
+            </a:r>
+            <a:endParaRPr lang="en-US" dirty="0">
+              <a:solidFill>
+                <a:schemeClr val="tx2">
+                  <a:lumMod val="75000"/>
+                </a:schemeClr>
+              </a:solidFill>
+            </a:endParaRPr>
+          </a:p>
+          <a:p>
+            <a:endParaRPr lang="en-US" dirty="0"/>
+          </a:p>
+        </p:txBody>
+      </p:sp>
+    </p:spTree>
+    <p:extLst>
+      <p:ext uri="{BB962C8B-B14F-4D97-AF65-F5344CB8AC3E}">
+        <p14:creationId xmlns:p14="http://schemas.microsoft.com/office/powerpoint/2010/main" val="1718316130"/>
+      </p:ext>
+    </p:extLst>
+  </p:cSld>
+  <p:clrMapOvr>
+    <a:masterClrMapping/>
+  </p:clrMapOvr>
+</p:sld>
+</file>
+
+<file path=ppt/slides/slide14.xml><?xml version="1.0" encoding="utf-8"?>
+<p:sld xmlns:a="http://schemas.openxmlformats.org/drawingml/2006/main" xmlns:r="http://schemas.openxmlformats.org/officeDocument/2006/relationships" xmlns:p="http://schemas.openxmlformats.org/presentationml/2006/main">
+  <p:cSld>
+    <p:spTree>
+      <p:nvGrpSpPr>
+        <p:cNvPr id="1" name=""/>
+        <p:cNvGrpSpPr/>
+        <p:nvPr/>
+      </p:nvGrpSpPr>
+      <p:grpSpPr>
+        <a:xfrm>
+          <a:off x="0" y="0"/>
+          <a:ext cx="0" cy="0"/>
+          <a:chOff x="0" y="0"/>
+          <a:chExt cx="0" cy="0"/>
+        </a:xfrm>
+      </p:grpSpPr>
+      <p:sp>
+        <p:nvSpPr>
+          <p:cNvPr id="3" name="Content Placeholder 2"/>
+          <p:cNvSpPr>
+            <a:spLocks noGrp="1"/>
+          </p:cNvSpPr>
+          <p:nvPr>
+            <p:ph idx="1"/>
+          </p:nvPr>
+        </p:nvSpPr>
+        <p:spPr>
+          <a:xfrm>
+            <a:off x="457200" y="945698"/>
+            <a:ext cx="8229600" cy="5363459"/>
+          </a:xfrm>
+        </p:spPr>
+        <p:txBody>
+          <a:bodyPr>
+            <a:normAutofit/>
+          </a:bodyPr>
+          <a:lstStyle/>
+          <a:p>
+            <a:pPr marL="0" indent="0" algn="ctr">
+              <a:buNone/>
+            </a:pPr>
+            <a:endParaRPr lang="en-US" b="1" dirty="0" smtClean="0">
+              <a:latin typeface="Lucida Calligraphy"/>
+              <a:cs typeface="Lucida Calligraphy"/>
+            </a:endParaRPr>
+          </a:p>
+          <a:p>
+            <a:pPr marL="0" indent="0" algn="ctr">
+              <a:buNone/>
+            </a:pPr>
+            <a:endParaRPr lang="en-US" b="1" dirty="0">
+              <a:latin typeface="Lucida Calligraphy"/>
+              <a:cs typeface="Lucida Calligraphy"/>
+            </a:endParaRPr>
+          </a:p>
+          <a:p>
+            <a:pPr marL="0" indent="0" algn="ctr">
+              <a:buNone/>
+            </a:pPr>
+            <a:r>
+              <a:rPr lang="en-US" sz="7200" b="1" dirty="0" smtClean="0">
+                <a:solidFill>
+                  <a:srgbClr val="376092"/>
+                </a:solidFill>
+                <a:latin typeface="Bradley Hand Bold"/>
+                <a:cs typeface="Bradley Hand Bold"/>
+              </a:rPr>
+              <a:t>Thank You!</a:t>
+            </a:r>
+            <a:endParaRPr lang="en-US" sz="7200" b="1" dirty="0" smtClean="0">
+              <a:solidFill>
+                <a:srgbClr val="376092"/>
+              </a:solidFill>
+              <a:latin typeface="Bradley Hand Bold"/>
+              <a:cs typeface="Bradley Hand Bold"/>
+            </a:endParaRPr>
+          </a:p>
+          <a:p>
+            <a:endParaRPr lang="en-US" dirty="0"/>
+          </a:p>
+          <a:p>
+            <a:pPr marL="0" indent="0">
+              <a:buNone/>
+            </a:pPr>
+            <a:endParaRPr lang="en-US" dirty="0" smtClean="0"/>
+          </a:p>
+          <a:p>
+            <a:pPr marL="0" indent="0">
+              <a:buNone/>
+            </a:pPr>
+            <a:endParaRPr lang="en-US" dirty="0" smtClean="0"/>
+          </a:p>
+          <a:p>
+            <a:pPr marL="0" indent="0">
+              <a:buNone/>
+            </a:pPr>
+            <a:endParaRPr lang="en-US" dirty="0"/>
+          </a:p>
+          <a:p>
+            <a:pPr marL="0" indent="0">
+              <a:buNone/>
+            </a:pPr>
+            <a:endParaRPr lang="en-US" dirty="0" smtClean="0"/>
+          </a:p>
+        </p:txBody>
+      </p:sp>
+      <p:sp>
+        <p:nvSpPr>
+          <p:cNvPr id="2" name="TextBox 1"/>
+          <p:cNvSpPr txBox="1"/>
+          <p:nvPr/>
+        </p:nvSpPr>
+        <p:spPr>
+          <a:xfrm>
+            <a:off x="4053491" y="4309681"/>
+            <a:ext cx="184666" cy="369332"/>
+          </a:xfrm>
+          <a:prstGeom prst="rect">
+            <a:avLst/>
+          </a:prstGeom>
+          <a:noFill/>
+        </p:spPr>
+        <p:txBody>
+          <a:bodyPr wrap="none" rtlCol="0">
+            <a:spAutoFit/>
+          </a:bodyPr>
+          <a:lstStyle/>
+          <a:p>
+            <a:endParaRPr lang="en-US" dirty="0"/>
+          </a:p>
+        </p:txBody>
+      </p:sp>
+      <p:sp>
+        <p:nvSpPr>
+          <p:cNvPr id="5" name="Content Placeholder 2"/>
+          <p:cNvSpPr txBox="1">
+            <a:spLocks/>
+          </p:cNvSpPr>
+          <p:nvPr/>
+        </p:nvSpPr>
+        <p:spPr>
+          <a:xfrm>
+            <a:off x="605828" y="4491335"/>
+            <a:ext cx="8229600" cy="2169082"/>
+          </a:xfrm>
+          <a:prstGeom prst="rect">
+            <a:avLst/>
+          </a:prstGeom>
+        </p:spPr>
+        <p:txBody>
+          <a:bodyPr vert="horz" lIns="91440" tIns="45720" rIns="91440" bIns="45720" rtlCol="0">
+            <a:normAutofit/>
+          </a:bodyPr>
+          <a:lstStyle>
+            <a:lvl1pPr marL="342900" indent="-342900" algn="l" defTabSz="457200" rtl="0" eaLnBrk="1" latinLnBrk="0" hangingPunct="1">
+              <a:spcBef>
+                <a:spcPct val="20000"/>
+              </a:spcBef>
+              <a:buFont typeface="Arial"/>
+              <a:buChar char="•"/>
+              <a:defRPr sz="3200" kern="1200">
+                <a:solidFill>
+                  <a:schemeClr val="tx1"/>
+                </a:solidFill>
+                <a:latin typeface="+mn-lt"/>
+                <a:ea typeface="+mn-ea"/>
+                <a:cs typeface="+mn-cs"/>
+              </a:defRPr>
+            </a:lvl1pPr>
+            <a:lvl2pPr marL="742950" indent="-285750" algn="l" defTabSz="457200" rtl="0" eaLnBrk="1" latinLnBrk="0" hangingPunct="1">
+              <a:spcBef>
+                <a:spcPct val="20000"/>
+              </a:spcBef>
+              <a:buFont typeface="Arial"/>
+              <a:buChar char="–"/>
+              <a:defRPr sz="2800" kern="1200">
+                <a:solidFill>
+                  <a:schemeClr val="tx1"/>
+                </a:solidFill>
+                <a:latin typeface="+mn-lt"/>
+                <a:ea typeface="+mn-ea"/>
+                <a:cs typeface="+mn-cs"/>
+              </a:defRPr>
+            </a:lvl2pPr>
+            <a:lvl3pPr marL="1143000" indent="-228600" algn="l" defTabSz="457200" rtl="0" eaLnBrk="1" latinLnBrk="0" hangingPunct="1">
+              <a:spcBef>
+                <a:spcPct val="20000"/>
+              </a:spcBef>
+              <a:buFont typeface="Arial"/>
+              <a:buChar char="•"/>
+              <a:defRPr sz="2400" kern="1200">
+                <a:solidFill>
+                  <a:schemeClr val="tx1"/>
+                </a:solidFill>
+                <a:latin typeface="+mn-lt"/>
+                <a:ea typeface="+mn-ea"/>
+                <a:cs typeface="+mn-cs"/>
+              </a:defRPr>
+            </a:lvl3pPr>
+            <a:lvl4pPr marL="1600200" indent="-228600" algn="l" defTabSz="457200" rtl="0" eaLnBrk="1" latinLnBrk="0" hangingPunct="1">
+              <a:spcBef>
+                <a:spcPct val="20000"/>
+              </a:spcBef>
+              <a:buFont typeface="Arial"/>
+              <a:buChar char="–"/>
+              <a:defRPr sz="2000" kern="1200">
+                <a:solidFill>
+                  <a:schemeClr val="tx1"/>
+                </a:solidFill>
+                <a:latin typeface="+mn-lt"/>
+                <a:ea typeface="+mn-ea"/>
+                <a:cs typeface="+mn-cs"/>
+              </a:defRPr>
+            </a:lvl4pPr>
+            <a:lvl5pPr marL="2057400" indent="-228600" algn="l" defTabSz="457200" rtl="0" eaLnBrk="1" latinLnBrk="0" hangingPunct="1">
+              <a:spcBef>
+                <a:spcPct val="20000"/>
+              </a:spcBef>
+              <a:buFont typeface="Arial"/>
+              <a:buChar char="»"/>
+              <a:defRPr sz="2000" kern="1200">
+                <a:solidFill>
+                  <a:schemeClr val="tx1"/>
+                </a:solidFill>
+                <a:latin typeface="+mn-lt"/>
+                <a:ea typeface="+mn-ea"/>
+                <a:cs typeface="+mn-cs"/>
+              </a:defRPr>
+            </a:lvl5pPr>
+            <a:lvl6pPr marL="2514600" indent="-228600" algn="l" defTabSz="457200" rtl="0" eaLnBrk="1" latinLnBrk="0" hangingPunct="1">
+              <a:spcBef>
+                <a:spcPct val="20000"/>
+              </a:spcBef>
+              <a:buFont typeface="Arial"/>
+              <a:buChar char="•"/>
+              <a:defRPr sz="2000" kern="1200">
+                <a:solidFill>
+                  <a:schemeClr val="tx1"/>
+                </a:solidFill>
+                <a:latin typeface="+mn-lt"/>
+                <a:ea typeface="+mn-ea"/>
+                <a:cs typeface="+mn-cs"/>
+              </a:defRPr>
+            </a:lvl6pPr>
+            <a:lvl7pPr marL="2971800" indent="-228600" algn="l" defTabSz="457200" rtl="0" eaLnBrk="1" latinLnBrk="0" hangingPunct="1">
+              <a:spcBef>
+                <a:spcPct val="20000"/>
+              </a:spcBef>
+              <a:buFont typeface="Arial"/>
+              <a:buChar char="•"/>
+              <a:defRPr sz="2000" kern="1200">
+                <a:solidFill>
+                  <a:schemeClr val="tx1"/>
+                </a:solidFill>
+                <a:latin typeface="+mn-lt"/>
+                <a:ea typeface="+mn-ea"/>
+                <a:cs typeface="+mn-cs"/>
+              </a:defRPr>
+            </a:lvl7pPr>
+            <a:lvl8pPr marL="3429000" indent="-228600" algn="l" defTabSz="457200" rtl="0" eaLnBrk="1" latinLnBrk="0" hangingPunct="1">
+              <a:spcBef>
+                <a:spcPct val="20000"/>
+              </a:spcBef>
+              <a:buFont typeface="Arial"/>
+              <a:buChar char="•"/>
+              <a:defRPr sz="2000" kern="1200">
+                <a:solidFill>
+                  <a:schemeClr val="tx1"/>
+                </a:solidFill>
+                <a:latin typeface="+mn-lt"/>
+                <a:ea typeface="+mn-ea"/>
+                <a:cs typeface="+mn-cs"/>
+              </a:defRPr>
+            </a:lvl8pPr>
+            <a:lvl9pPr marL="3886200" indent="-228600" algn="l" defTabSz="457200" rtl="0" eaLnBrk="1" latinLnBrk="0" hangingPunct="1">
+              <a:spcBef>
+                <a:spcPct val="20000"/>
+              </a:spcBef>
+              <a:buFont typeface="Arial"/>
+              <a:buChar char="•"/>
+              <a:defRPr sz="2000" kern="1200">
+                <a:solidFill>
+                  <a:schemeClr val="tx1"/>
+                </a:solidFill>
+                <a:latin typeface="+mn-lt"/>
+                <a:ea typeface="+mn-ea"/>
+                <a:cs typeface="+mn-cs"/>
+              </a:defRPr>
+            </a:lvl9pPr>
+          </a:lstStyle>
+          <a:p>
+            <a:pPr marL="0" indent="0">
+              <a:buFont typeface="Arial"/>
+              <a:buNone/>
+            </a:pPr>
+            <a:endParaRPr lang="en-US" dirty="0" smtClean="0"/>
+          </a:p>
+          <a:p>
+            <a:pPr marL="0" indent="0">
+              <a:buFont typeface="Arial"/>
+              <a:buNone/>
+            </a:pPr>
+            <a:endParaRPr lang="en-US" dirty="0" smtClean="0"/>
+          </a:p>
+          <a:p>
+            <a:pPr marL="0" indent="0">
+              <a:buFont typeface="Arial"/>
+              <a:buNone/>
+            </a:pPr>
+            <a:r>
+              <a:rPr lang="en-US" dirty="0" smtClean="0"/>
+              <a:t>	</a:t>
+            </a:r>
+            <a:r>
+              <a:rPr lang="en-US" sz="2000" dirty="0" smtClean="0"/>
+              <a:t>Presented by:  	Susanna Mir </a:t>
+            </a:r>
+          </a:p>
+          <a:p>
+            <a:pPr marL="0" indent="0">
+              <a:buFont typeface="Arial"/>
+              <a:buNone/>
+            </a:pPr>
+            <a:r>
+              <a:rPr lang="en-US" sz="2000" dirty="0" smtClean="0"/>
+              <a:t>					29</a:t>
+            </a:r>
+            <a:r>
+              <a:rPr lang="en-US" sz="2000" baseline="30000" dirty="0" smtClean="0"/>
+              <a:t>th</a:t>
+            </a:r>
+            <a:r>
+              <a:rPr lang="en-US" sz="2000" dirty="0" smtClean="0"/>
+              <a:t> October 2020</a:t>
+            </a:r>
+          </a:p>
+          <a:p>
+            <a:endParaRPr lang="en-US" sz="2000" dirty="0"/>
+          </a:p>
+        </p:txBody>
+      </p:sp>
+    </p:spTree>
+    <p:extLst>
+      <p:ext uri="{BB962C8B-B14F-4D97-AF65-F5344CB8AC3E}">
+        <p14:creationId xmlns:p14="http://schemas.microsoft.com/office/powerpoint/2010/main" val="3010414932"/>
       </p:ext>
     </p:extLst>
   </p:cSld>
@@ -3209,6 +4429,133 @@
       </p:grpSpPr>
       <p:sp>
         <p:nvSpPr>
+          <p:cNvPr id="2" name="Title 1"/>
+          <p:cNvSpPr>
+            <a:spLocks noGrp="1"/>
+          </p:cNvSpPr>
+          <p:nvPr>
+            <p:ph type="title"/>
+          </p:nvPr>
+        </p:nvSpPr>
+        <p:spPr/>
+        <p:txBody>
+          <a:bodyPr/>
+          <a:lstStyle/>
+          <a:p>
+            <a:r>
+              <a:rPr lang="en-US" dirty="0" smtClean="0"/>
+              <a:t>Overview</a:t>
+            </a:r>
+            <a:endParaRPr lang="en-US" dirty="0"/>
+          </a:p>
+        </p:txBody>
+      </p:sp>
+      <p:sp>
+        <p:nvSpPr>
+          <p:cNvPr id="3" name="Content Placeholder 2"/>
+          <p:cNvSpPr>
+            <a:spLocks noGrp="1"/>
+          </p:cNvSpPr>
+          <p:nvPr>
+            <p:ph idx="1"/>
+          </p:nvPr>
+        </p:nvSpPr>
+        <p:spPr/>
+        <p:txBody>
+          <a:bodyPr>
+            <a:normAutofit/>
+          </a:bodyPr>
+          <a:lstStyle/>
+          <a:p>
+            <a:pPr marL="0" indent="0">
+              <a:buNone/>
+            </a:pPr>
+            <a:endParaRPr lang="en-US" dirty="0" smtClean="0"/>
+          </a:p>
+          <a:p>
+            <a:pPr marL="0" indent="0">
+              <a:buNone/>
+            </a:pPr>
+            <a:r>
+              <a:rPr lang="en-US" dirty="0" smtClean="0">
+                <a:solidFill>
+                  <a:srgbClr val="17375E"/>
+                </a:solidFill>
+              </a:rPr>
+              <a:t>To provide </a:t>
+            </a:r>
+            <a:r>
+              <a:rPr lang="en-US" dirty="0">
+                <a:solidFill>
+                  <a:srgbClr val="17375E"/>
+                </a:solidFill>
+              </a:rPr>
+              <a:t>analysis and predictions for investing in U.S real estate given the investor's risk and investment profile.</a:t>
+            </a:r>
+          </a:p>
+          <a:p>
+            <a:pPr marL="0" indent="0">
+              <a:buNone/>
+            </a:pPr>
+            <a:endParaRPr lang="en-US" dirty="0"/>
+          </a:p>
+        </p:txBody>
+      </p:sp>
+    </p:spTree>
+    <p:extLst>
+      <p:ext uri="{BB962C8B-B14F-4D97-AF65-F5344CB8AC3E}">
+        <p14:creationId xmlns:p14="http://schemas.microsoft.com/office/powerpoint/2010/main" val="2262126032"/>
+      </p:ext>
+    </p:extLst>
+  </p:cSld>
+  <p:clrMapOvr>
+    <a:masterClrMapping/>
+  </p:clrMapOvr>
+</p:sld>
+</file>
+
+<file path=ppt/slides/slide3.xml><?xml version="1.0" encoding="utf-8"?>
+<p:sld xmlns:a="http://schemas.openxmlformats.org/drawingml/2006/main" xmlns:r="http://schemas.openxmlformats.org/officeDocument/2006/relationships" xmlns:p="http://schemas.openxmlformats.org/presentationml/2006/main">
+  <p:cSld>
+    <p:spTree>
+      <p:nvGrpSpPr>
+        <p:cNvPr id="1" name=""/>
+        <p:cNvGrpSpPr/>
+        <p:nvPr/>
+      </p:nvGrpSpPr>
+      <p:grpSpPr>
+        <a:xfrm>
+          <a:off x="0" y="0"/>
+          <a:ext cx="0" cy="0"/>
+          <a:chOff x="0" y="0"/>
+          <a:chExt cx="0" cy="0"/>
+        </a:xfrm>
+      </p:grpSpPr>
+      <p:sp>
+        <p:nvSpPr>
+          <p:cNvPr id="2" name="Title 1"/>
+          <p:cNvSpPr>
+            <a:spLocks noGrp="1"/>
+          </p:cNvSpPr>
+          <p:nvPr>
+            <p:ph type="title"/>
+          </p:nvPr>
+        </p:nvSpPr>
+        <p:spPr/>
+        <p:txBody>
+          <a:bodyPr/>
+          <a:lstStyle/>
+          <a:p>
+            <a:r>
+              <a:rPr lang="en-US" dirty="0" smtClean="0"/>
+              <a:t>Data Analyzed</a:t>
+            </a:r>
+            <a:endParaRPr lang="en-US" dirty="0"/>
+          </a:p>
+        </p:txBody>
+      </p:sp>
+      <p:sp>
+        <p:nvSpPr>
           <p:cNvPr id="3" name="Content Placeholder 2"/>
           <p:cNvSpPr>
             <a:spLocks noGrp="1"/>
@@ -3219,63 +4566,415 @@
         </p:nvSpPr>
         <p:spPr>
           <a:xfrm>
-            <a:off x="457200" y="945698"/>
-            <a:ext cx="8229600" cy="5180465"/>
+            <a:off x="4202119" y="1621197"/>
+            <a:ext cx="3958910" cy="4099667"/>
           </a:xfrm>
         </p:spPr>
         <p:txBody>
+          <a:bodyPr>
+            <a:normAutofit/>
+          </a:bodyPr>
+          <a:lstStyle/>
+          <a:p>
+            <a:pPr marL="0" indent="0">
+              <a:buNone/>
+            </a:pPr>
+            <a:r>
+              <a:rPr lang="en-US" dirty="0" smtClean="0">
+                <a:solidFill>
+                  <a:srgbClr val="558ED5"/>
+                </a:solidFill>
+              </a:rPr>
+              <a:t>Data is provided by </a:t>
+            </a:r>
+            <a:r>
+              <a:rPr lang="en-US" dirty="0">
+                <a:solidFill>
+                  <a:srgbClr val="558ED5"/>
+                </a:solidFill>
+              </a:rPr>
+              <a:t>Zillow and represents U.S monthly sales data by region, state and zipcode for the periods </a:t>
+            </a:r>
+            <a:r>
+              <a:rPr lang="en-US" dirty="0" smtClean="0">
+                <a:solidFill>
+                  <a:srgbClr val="558ED5"/>
+                </a:solidFill>
+              </a:rPr>
+              <a:t>1996</a:t>
+            </a:r>
+            <a:r>
+              <a:rPr lang="en-US" dirty="0">
+                <a:solidFill>
+                  <a:srgbClr val="558ED5"/>
+                </a:solidFill>
+              </a:rPr>
+              <a:t>-04 - 2018-04.</a:t>
+            </a:r>
+          </a:p>
+          <a:p>
+            <a:endParaRPr lang="en-US" dirty="0"/>
+          </a:p>
+          <a:p>
+            <a:endParaRPr lang="en-US" dirty="0"/>
+          </a:p>
+        </p:txBody>
+      </p:sp>
+      <p:pic>
+        <p:nvPicPr>
+          <p:cNvPr id="4" name="Picture 3" descr="5b75a356e199f336008b528b.jpeg"/>
+          <p:cNvPicPr>
+            <a:picLocks noChangeAspect="1"/>
+          </p:cNvPicPr>
+          <p:nvPr/>
+        </p:nvPicPr>
+        <p:blipFill>
+          <a:blip r:embed="rId2">
+            <a:extLst>
+              <a:ext uri="{28A0092B-C50C-407E-A947-70E740481C1C}">
+                <a14:useLocalDpi xmlns:a14="http://schemas.microsoft.com/office/drawing/2010/main" val="0"/>
+              </a:ext>
+            </a:extLst>
+          </a:blip>
+          <a:stretch>
+            <a:fillRect/>
+          </a:stretch>
+        </p:blipFill>
+        <p:spPr>
+          <a:xfrm>
+            <a:off x="337792" y="1283448"/>
+            <a:ext cx="3692726" cy="4714980"/>
+          </a:xfrm>
+          <a:prstGeom prst="rect">
+            <a:avLst/>
+          </a:prstGeom>
+        </p:spPr>
+      </p:pic>
+    </p:spTree>
+    <p:extLst>
+      <p:ext uri="{BB962C8B-B14F-4D97-AF65-F5344CB8AC3E}">
+        <p14:creationId xmlns:p14="http://schemas.microsoft.com/office/powerpoint/2010/main" val="2484772385"/>
+      </p:ext>
+    </p:extLst>
+  </p:cSld>
+  <p:clrMapOvr>
+    <a:masterClrMapping/>
+  </p:clrMapOvr>
+</p:sld>
+</file>
+
+<file path=ppt/slides/slide4.xml><?xml version="1.0" encoding="utf-8"?>
+<p:sld xmlns:a="http://schemas.openxmlformats.org/drawingml/2006/main" xmlns:r="http://schemas.openxmlformats.org/officeDocument/2006/relationships" xmlns:p="http://schemas.openxmlformats.org/presentationml/2006/main">
+  <p:cSld>
+    <p:spTree>
+      <p:nvGrpSpPr>
+        <p:cNvPr id="1" name=""/>
+        <p:cNvGrpSpPr/>
+        <p:nvPr/>
+      </p:nvGrpSpPr>
+      <p:grpSpPr>
+        <a:xfrm>
+          <a:off x="0" y="0"/>
+          <a:ext cx="0" cy="0"/>
+          <a:chOff x="0" y="0"/>
+          <a:chExt cx="0" cy="0"/>
+        </a:xfrm>
+      </p:grpSpPr>
+      <p:sp>
+        <p:nvSpPr>
+          <p:cNvPr id="2" name="Title 1"/>
+          <p:cNvSpPr>
+            <a:spLocks noGrp="1"/>
+          </p:cNvSpPr>
+          <p:nvPr>
+            <p:ph type="title"/>
+          </p:nvPr>
+        </p:nvSpPr>
+        <p:spPr/>
+        <p:txBody>
           <a:bodyPr/>
           <a:lstStyle/>
           <a:p>
-            <a:pPr marL="0" indent="0" algn="ctr">
+            <a:r>
+              <a:rPr lang="en-US" dirty="0" smtClean="0"/>
+              <a:t>Target</a:t>
+            </a:r>
+            <a:endParaRPr lang="en-US" dirty="0"/>
+          </a:p>
+        </p:txBody>
+      </p:sp>
+      <p:sp>
+        <p:nvSpPr>
+          <p:cNvPr id="3" name="Content Placeholder 2"/>
+          <p:cNvSpPr>
+            <a:spLocks noGrp="1"/>
+          </p:cNvSpPr>
+          <p:nvPr>
+            <p:ph idx="1"/>
+          </p:nvPr>
+        </p:nvSpPr>
+        <p:spPr>
+          <a:xfrm>
+            <a:off x="3607607" y="2729015"/>
+            <a:ext cx="5337096" cy="2310205"/>
+          </a:xfrm>
+        </p:spPr>
+        <p:txBody>
+          <a:bodyPr>
+            <a:normAutofit/>
+          </a:bodyPr>
+          <a:lstStyle/>
+          <a:p>
+            <a:pPr marL="0" indent="0">
               <a:buNone/>
             </a:pPr>
-            <a:endParaRPr lang="en-US" b="1" dirty="0" smtClean="0">
-              <a:latin typeface="Lucida Calligraphy"/>
-              <a:cs typeface="Lucida Calligraphy"/>
+            <a:r>
+              <a:rPr lang="en-US" dirty="0" smtClean="0">
+                <a:solidFill>
+                  <a:srgbClr val="558ED5"/>
+                </a:solidFill>
+              </a:rPr>
+              <a:t>To predict the </a:t>
+            </a:r>
+            <a:r>
+              <a:rPr lang="en-US" b="1" dirty="0">
+                <a:solidFill>
+                  <a:schemeClr val="accent3">
+                    <a:lumMod val="60000"/>
+                    <a:lumOff val="40000"/>
+                  </a:schemeClr>
+                </a:solidFill>
+              </a:rPr>
+              <a:t>T</a:t>
+            </a:r>
+            <a:r>
+              <a:rPr lang="en-US" b="1" dirty="0" smtClean="0">
+                <a:solidFill>
+                  <a:schemeClr val="accent3">
+                    <a:lumMod val="60000"/>
+                    <a:lumOff val="40000"/>
+                  </a:schemeClr>
+                </a:solidFill>
+              </a:rPr>
+              <a:t>op </a:t>
+            </a:r>
+            <a:r>
+              <a:rPr lang="en-US" b="1" dirty="0">
+                <a:solidFill>
+                  <a:schemeClr val="accent3">
+                    <a:lumMod val="60000"/>
+                    <a:lumOff val="40000"/>
+                  </a:schemeClr>
+                </a:solidFill>
+              </a:rPr>
+              <a:t>5 Z</a:t>
+            </a:r>
+            <a:r>
+              <a:rPr lang="en-US" b="1" dirty="0" smtClean="0">
+                <a:solidFill>
+                  <a:schemeClr val="accent3">
+                    <a:lumMod val="60000"/>
+                    <a:lumOff val="40000"/>
+                  </a:schemeClr>
+                </a:solidFill>
+              </a:rPr>
+              <a:t>ipcodes </a:t>
+            </a:r>
+            <a:r>
+              <a:rPr lang="en-US" dirty="0" smtClean="0">
+                <a:solidFill>
+                  <a:srgbClr val="558ED5"/>
+                </a:solidFill>
+              </a:rPr>
+              <a:t>to </a:t>
+            </a:r>
+            <a:r>
+              <a:rPr lang="en-US" dirty="0">
+                <a:solidFill>
+                  <a:srgbClr val="558ED5"/>
+                </a:solidFill>
+              </a:rPr>
+              <a:t>invest in from 2018-04 </a:t>
+            </a:r>
+            <a:endParaRPr lang="en-US" dirty="0" smtClean="0">
+              <a:solidFill>
+                <a:srgbClr val="558ED5"/>
+              </a:solidFill>
             </a:endParaRPr>
           </a:p>
           <a:p>
-            <a:pPr marL="0" indent="0" algn="ctr">
+            <a:pPr marL="0" indent="0">
               <a:buNone/>
             </a:pPr>
+            <a:endParaRPr lang="en-US" dirty="0">
+              <a:solidFill>
+                <a:srgbClr val="558ED5"/>
+              </a:solidFill>
+            </a:endParaRPr>
+          </a:p>
+          <a:p>
+            <a:pPr marL="0" indent="0">
+              <a:buNone/>
+            </a:pPr>
+            <a:endParaRPr lang="en-US" dirty="0">
+              <a:solidFill>
+                <a:srgbClr val="558ED5"/>
+              </a:solidFill>
+            </a:endParaRPr>
+          </a:p>
+          <a:p>
+            <a:endParaRPr lang="en-US" dirty="0"/>
+          </a:p>
+          <a:p>
+            <a:endParaRPr lang="en-US" dirty="0"/>
+          </a:p>
+          <a:p>
+            <a:endParaRPr lang="en-US" dirty="0"/>
+          </a:p>
+        </p:txBody>
+      </p:sp>
+      <p:pic>
+        <p:nvPicPr>
+          <p:cNvPr id="5" name="Picture 4" descr="Screen Shot 2020-10-29 at 14.21.31.png"/>
+          <p:cNvPicPr>
+            <a:picLocks noChangeAspect="1"/>
+          </p:cNvPicPr>
+          <p:nvPr/>
+        </p:nvPicPr>
+        <p:blipFill>
+          <a:blip r:embed="rId2">
+            <a:extLst>
+              <a:ext uri="{28A0092B-C50C-407E-A947-70E740481C1C}">
+                <a14:useLocalDpi xmlns:a14="http://schemas.microsoft.com/office/drawing/2010/main" val="0"/>
+              </a:ext>
+            </a:extLst>
+          </a:blip>
+          <a:stretch>
+            <a:fillRect/>
+          </a:stretch>
+        </p:blipFill>
+        <p:spPr>
+          <a:xfrm>
+            <a:off x="457200" y="1946770"/>
+            <a:ext cx="2920709" cy="3342355"/>
+          </a:xfrm>
+          <a:prstGeom prst="rect">
+            <a:avLst/>
+          </a:prstGeom>
+        </p:spPr>
+      </p:pic>
+    </p:spTree>
+    <p:extLst>
+      <p:ext uri="{BB962C8B-B14F-4D97-AF65-F5344CB8AC3E}">
+        <p14:creationId xmlns:p14="http://schemas.microsoft.com/office/powerpoint/2010/main" val="4038933239"/>
+      </p:ext>
+    </p:extLst>
+  </p:cSld>
+  <p:clrMapOvr>
+    <a:masterClrMapping/>
+  </p:clrMapOvr>
+</p:sld>
+</file>
+
+<file path=ppt/slides/slide5.xml><?xml version="1.0" encoding="utf-8"?>
+<p:sld xmlns:a="http://schemas.openxmlformats.org/drawingml/2006/main" xmlns:r="http://schemas.openxmlformats.org/officeDocument/2006/relationships" xmlns:p="http://schemas.openxmlformats.org/presentationml/2006/main">
+  <p:cSld>
+    <p:spTree>
+      <p:nvGrpSpPr>
+        <p:cNvPr id="1" name=""/>
+        <p:cNvGrpSpPr/>
+        <p:nvPr/>
+      </p:nvGrpSpPr>
+      <p:grpSpPr>
+        <a:xfrm>
+          <a:off x="0" y="0"/>
+          <a:ext cx="0" cy="0"/>
+          <a:chOff x="0" y="0"/>
+          <a:chExt cx="0" cy="0"/>
+        </a:xfrm>
+      </p:grpSpPr>
+      <p:sp>
+        <p:nvSpPr>
+          <p:cNvPr id="2" name="Title 1"/>
+          <p:cNvSpPr>
+            <a:spLocks noGrp="1"/>
+          </p:cNvSpPr>
+          <p:nvPr>
+            <p:ph type="title"/>
+          </p:nvPr>
+        </p:nvSpPr>
+        <p:spPr>
+          <a:xfrm>
+            <a:off x="457200" y="274638"/>
+            <a:ext cx="8229600" cy="657550"/>
+          </a:xfrm>
+        </p:spPr>
+        <p:txBody>
+          <a:bodyPr>
+            <a:normAutofit fontScale="90000"/>
+          </a:bodyPr>
+          <a:lstStyle/>
+          <a:p>
+            <a:r>
+              <a:rPr lang="en-US" dirty="0" smtClean="0"/>
+              <a:t>Investor Pre-requisite </a:t>
+            </a:r>
+            <a:r>
+              <a:rPr lang="en-US" b="1" dirty="0" smtClean="0">
+                <a:solidFill>
+                  <a:srgbClr val="558ED5"/>
+                </a:solidFill>
+              </a:rPr>
+              <a:t>1</a:t>
+            </a:r>
             <a:endParaRPr lang="en-US" b="1" dirty="0">
-              <a:latin typeface="Lucida Calligraphy"/>
-              <a:cs typeface="Lucida Calligraphy"/>
+              <a:solidFill>
+                <a:srgbClr val="558ED5"/>
+              </a:solidFill>
             </a:endParaRPr>
           </a:p>
-          <a:p>
-            <a:pPr marL="0" indent="0" algn="ctr">
-              <a:buNone/>
-            </a:pPr>
-            <a:r>
-              <a:rPr lang="en-US" b="1" dirty="0" smtClean="0">
-                <a:solidFill>
-                  <a:srgbClr val="7F7F7F"/>
-                </a:solidFill>
-                <a:cs typeface="Lucida Calligraphy"/>
-              </a:rPr>
-              <a:t>THANKYOU</a:t>
-            </a:r>
-          </a:p>
-          <a:p>
-            <a:endParaRPr lang="en-US" dirty="0"/>
-          </a:p>
-          <a:p>
-            <a:endParaRPr lang="en-US" dirty="0" smtClean="0"/>
-          </a:p>
-        </p:txBody>
-      </p:sp>
-      <p:sp>
-        <p:nvSpPr>
-          <p:cNvPr id="2" name="TextBox 1"/>
+        </p:txBody>
+      </p:sp>
+      <p:pic>
+        <p:nvPicPr>
+          <p:cNvPr id="4" name="Content Placeholder 3" descr="output_001.png"/>
+          <p:cNvPicPr>
+            <a:picLocks noGrp="1" noChangeAspect="1"/>
+          </p:cNvPicPr>
+          <p:nvPr>
+            <p:ph idx="1"/>
+          </p:nvPr>
+        </p:nvPicPr>
+        <p:blipFill>
+          <a:blip r:embed="rId2">
+            <a:extLst>
+              <a:ext uri="{28A0092B-C50C-407E-A947-70E740481C1C}">
+                <a14:useLocalDpi xmlns:a14="http://schemas.microsoft.com/office/drawing/2010/main" val="0"/>
+              </a:ext>
+            </a:extLst>
+          </a:blip>
+          <a:srcRect l="-21556" r="-21556"/>
+          <a:stretch>
+            <a:fillRect/>
+          </a:stretch>
+        </p:blipFill>
+        <p:spPr>
+          <a:xfrm>
+            <a:off x="-1331790" y="1053778"/>
+            <a:ext cx="8934726" cy="5674189"/>
+          </a:xfrm>
+        </p:spPr>
+      </p:pic>
+      <p:sp>
+        <p:nvSpPr>
+          <p:cNvPr id="5" name="TextBox 4"/>
           <p:cNvSpPr txBox="1"/>
           <p:nvPr/>
         </p:nvSpPr>
         <p:spPr>
           <a:xfrm>
-            <a:off x="4053491" y="4309681"/>
-            <a:ext cx="184666" cy="369332"/>
+            <a:off x="6282910" y="1972454"/>
+            <a:ext cx="2861089" cy="954107"/>
           </a:xfrm>
           <a:prstGeom prst="rect">
             <a:avLst/>
@@ -3283,32 +4982,781 @@
           <a:noFill/>
         </p:spPr>
         <p:txBody>
-          <a:bodyPr wrap="none" rtlCol="0">
+          <a:bodyPr wrap="square" rtlCol="0">
             <a:spAutoFit/>
           </a:bodyPr>
           <a:lstStyle/>
           <a:p>
-            <a:endParaRPr lang="en-US" dirty="0"/>
+            <a:r>
+              <a:rPr lang="en-US" sz="2800" dirty="0" smtClean="0">
+                <a:solidFill>
+                  <a:schemeClr val="tx2">
+                    <a:lumMod val="60000"/>
+                    <a:lumOff val="40000"/>
+                  </a:schemeClr>
+                </a:solidFill>
+              </a:rPr>
+              <a:t>Invest in </a:t>
+            </a:r>
+            <a:r>
+              <a:rPr lang="en-US" sz="2800" dirty="0">
+                <a:solidFill>
+                  <a:schemeClr val="tx2">
+                    <a:lumMod val="60000"/>
+                    <a:lumOff val="40000"/>
+                  </a:schemeClr>
+                </a:solidFill>
+              </a:rPr>
+              <a:t>the city of Chicago.  </a:t>
+            </a:r>
           </a:p>
         </p:txBody>
       </p:sp>
     </p:spTree>
     <p:extLst>
       <p:ext uri="{BB962C8B-B14F-4D97-AF65-F5344CB8AC3E}">
-        <p14:creationId xmlns:p14="http://schemas.microsoft.com/office/powerpoint/2010/main" val="3010414932"/>
+        <p14:creationId xmlns:p14="http://schemas.microsoft.com/office/powerpoint/2010/main" val="3485725112"/>
       </p:ext>
     </p:extLst>
   </p:cSld>
   <p:clrMapOvr>
     <a:masterClrMapping/>
   </p:clrMapOvr>
-  <p:timing>
-    <p:tnLst>
-      <p:par>
-        <p:cTn xmlns:p14="http://schemas.microsoft.com/office/powerpoint/2010/main" id="1" dur="indefinite" restart="never" nodeType="tmRoot"/>
-      </p:par>
-    </p:tnLst>
-  </p:timing>
+</p:sld>
+</file>
+
+<file path=ppt/slides/slide6.xml><?xml version="1.0" encoding="utf-8"?>
+<p:sld xmlns:a="http://schemas.openxmlformats.org/drawingml/2006/main" xmlns:r="http://schemas.openxmlformats.org/officeDocument/2006/relationships" xmlns:p="http://schemas.openxmlformats.org/presentationml/2006/main">
+  <p:cSld>
+    <p:spTree>
+      <p:nvGrpSpPr>
+        <p:cNvPr id="1" name=""/>
+        <p:cNvGrpSpPr/>
+        <p:nvPr/>
+      </p:nvGrpSpPr>
+      <p:grpSpPr>
+        <a:xfrm>
+          <a:off x="0" y="0"/>
+          <a:ext cx="0" cy="0"/>
+          <a:chOff x="0" y="0"/>
+          <a:chExt cx="0" cy="0"/>
+        </a:xfrm>
+      </p:grpSpPr>
+      <p:sp>
+        <p:nvSpPr>
+          <p:cNvPr id="2" name="Title 1"/>
+          <p:cNvSpPr>
+            <a:spLocks noGrp="1"/>
+          </p:cNvSpPr>
+          <p:nvPr>
+            <p:ph type="title"/>
+          </p:nvPr>
+        </p:nvSpPr>
+        <p:spPr>
+          <a:xfrm>
+            <a:off x="457200" y="274638"/>
+            <a:ext cx="8229600" cy="657550"/>
+          </a:xfrm>
+        </p:spPr>
+        <p:txBody>
+          <a:bodyPr>
+            <a:normAutofit fontScale="90000"/>
+          </a:bodyPr>
+          <a:lstStyle/>
+          <a:p>
+            <a:r>
+              <a:rPr lang="en-US" dirty="0" smtClean="0"/>
+              <a:t>Investor Pre-requisite </a:t>
+            </a:r>
+            <a:r>
+              <a:rPr lang="en-US" b="1" dirty="0" smtClean="0">
+                <a:solidFill>
+                  <a:srgbClr val="558ED5"/>
+                </a:solidFill>
+              </a:rPr>
+              <a:t>2</a:t>
+            </a:r>
+            <a:endParaRPr lang="en-US" b="1" dirty="0">
+              <a:solidFill>
+                <a:srgbClr val="558ED5"/>
+              </a:solidFill>
+            </a:endParaRPr>
+          </a:p>
+        </p:txBody>
+      </p:sp>
+      <p:sp>
+        <p:nvSpPr>
+          <p:cNvPr id="5" name="TextBox 4"/>
+          <p:cNvSpPr txBox="1"/>
+          <p:nvPr/>
+        </p:nvSpPr>
+        <p:spPr>
+          <a:xfrm>
+            <a:off x="6282910" y="1972454"/>
+            <a:ext cx="2861089" cy="3539431"/>
+          </a:xfrm>
+          <a:prstGeom prst="rect">
+            <a:avLst/>
+          </a:prstGeom>
+          <a:noFill/>
+        </p:spPr>
+        <p:txBody>
+          <a:bodyPr wrap="square" rtlCol="0">
+            <a:spAutoFit/>
+          </a:bodyPr>
+          <a:lstStyle/>
+          <a:p>
+            <a:r>
+              <a:rPr lang="en-US" sz="2800" dirty="0" smtClean="0">
+                <a:solidFill>
+                  <a:srgbClr val="558ED5"/>
+                </a:solidFill>
+              </a:rPr>
+              <a:t>Zipcodes’ average price did not decrease </a:t>
+            </a:r>
+            <a:r>
+              <a:rPr lang="en-US" sz="2800" dirty="0">
+                <a:solidFill>
+                  <a:srgbClr val="558ED5"/>
+                </a:solidFill>
+              </a:rPr>
+              <a:t>in value by more than the </a:t>
+            </a:r>
+            <a:r>
+              <a:rPr lang="en-US" sz="2800" dirty="0" smtClean="0">
+                <a:solidFill>
+                  <a:srgbClr val="558ED5"/>
+                </a:solidFill>
+              </a:rPr>
+              <a:t>average price during the property market crash.</a:t>
+            </a:r>
+            <a:endParaRPr lang="en-US" sz="2800" dirty="0">
+              <a:solidFill>
+                <a:srgbClr val="558ED5"/>
+              </a:solidFill>
+            </a:endParaRPr>
+          </a:p>
+        </p:txBody>
+      </p:sp>
+      <p:pic>
+        <p:nvPicPr>
+          <p:cNvPr id="3" name="Picture 2" descr="output_002.png"/>
+          <p:cNvPicPr>
+            <a:picLocks noChangeAspect="1"/>
+          </p:cNvPicPr>
+          <p:nvPr/>
+        </p:nvPicPr>
+        <p:blipFill>
+          <a:blip r:embed="rId2">
+            <a:extLst>
+              <a:ext uri="{28A0092B-C50C-407E-A947-70E740481C1C}">
+                <a14:useLocalDpi xmlns:a14="http://schemas.microsoft.com/office/drawing/2010/main" val="0"/>
+              </a:ext>
+            </a:extLst>
+          </a:blip>
+          <a:stretch>
+            <a:fillRect/>
+          </a:stretch>
+        </p:blipFill>
+        <p:spPr>
+          <a:xfrm>
+            <a:off x="99820" y="932188"/>
+            <a:ext cx="5453463" cy="5740904"/>
+          </a:xfrm>
+          <a:prstGeom prst="rect">
+            <a:avLst/>
+          </a:prstGeom>
+        </p:spPr>
+      </p:pic>
+    </p:spTree>
+    <p:extLst>
+      <p:ext uri="{BB962C8B-B14F-4D97-AF65-F5344CB8AC3E}">
+        <p14:creationId xmlns:p14="http://schemas.microsoft.com/office/powerpoint/2010/main" val="4101281641"/>
+      </p:ext>
+    </p:extLst>
+  </p:cSld>
+  <p:clrMapOvr>
+    <a:masterClrMapping/>
+  </p:clrMapOvr>
+</p:sld>
+</file>
+
+<file path=ppt/slides/slide7.xml><?xml version="1.0" encoding="utf-8"?>
+<p:sld xmlns:a="http://schemas.openxmlformats.org/drawingml/2006/main" xmlns:r="http://schemas.openxmlformats.org/officeDocument/2006/relationships" xmlns:p="http://schemas.openxmlformats.org/presentationml/2006/main">
+  <p:cSld>
+    <p:spTree>
+      <p:nvGrpSpPr>
+        <p:cNvPr id="1" name=""/>
+        <p:cNvGrpSpPr/>
+        <p:nvPr/>
+      </p:nvGrpSpPr>
+      <p:grpSpPr>
+        <a:xfrm>
+          <a:off x="0" y="0"/>
+          <a:ext cx="0" cy="0"/>
+          <a:chOff x="0" y="0"/>
+          <a:chExt cx="0" cy="0"/>
+        </a:xfrm>
+      </p:grpSpPr>
+      <p:sp>
+        <p:nvSpPr>
+          <p:cNvPr id="2" name="Title 1"/>
+          <p:cNvSpPr>
+            <a:spLocks noGrp="1"/>
+          </p:cNvSpPr>
+          <p:nvPr>
+            <p:ph type="title"/>
+          </p:nvPr>
+        </p:nvSpPr>
+        <p:spPr>
+          <a:xfrm>
+            <a:off x="457200" y="274638"/>
+            <a:ext cx="8229600" cy="657550"/>
+          </a:xfrm>
+        </p:spPr>
+        <p:txBody>
+          <a:bodyPr>
+            <a:normAutofit fontScale="90000"/>
+          </a:bodyPr>
+          <a:lstStyle/>
+          <a:p>
+            <a:r>
+              <a:rPr lang="en-US" dirty="0" smtClean="0"/>
+              <a:t>Investor Pre-requisite </a:t>
+            </a:r>
+            <a:r>
+              <a:rPr lang="en-US" b="1" dirty="0">
+                <a:solidFill>
+                  <a:srgbClr val="558ED5"/>
+                </a:solidFill>
+              </a:rPr>
+              <a:t>3</a:t>
+            </a:r>
+          </a:p>
+        </p:txBody>
+      </p:sp>
+      <p:sp>
+        <p:nvSpPr>
+          <p:cNvPr id="5" name="TextBox 4"/>
+          <p:cNvSpPr txBox="1"/>
+          <p:nvPr/>
+        </p:nvSpPr>
+        <p:spPr>
+          <a:xfrm>
+            <a:off x="6282910" y="1972454"/>
+            <a:ext cx="2861089" cy="3108544"/>
+          </a:xfrm>
+          <a:prstGeom prst="rect">
+            <a:avLst/>
+          </a:prstGeom>
+          <a:noFill/>
+        </p:spPr>
+        <p:txBody>
+          <a:bodyPr wrap="square" rtlCol="0">
+            <a:spAutoFit/>
+          </a:bodyPr>
+          <a:lstStyle/>
+          <a:p>
+            <a:r>
+              <a:rPr lang="en-US" sz="2800" dirty="0" smtClean="0">
+                <a:solidFill>
+                  <a:srgbClr val="558ED5"/>
+                </a:solidFill>
+              </a:rPr>
+              <a:t>Zipcodes’ average price was in the top 5 highest ROI% </a:t>
+            </a:r>
+            <a:r>
+              <a:rPr lang="en-US" sz="2800" dirty="0">
+                <a:solidFill>
+                  <a:srgbClr val="558ED5"/>
+                </a:solidFill>
+              </a:rPr>
+              <a:t>in the period following the </a:t>
+            </a:r>
+            <a:r>
+              <a:rPr lang="en-US" sz="2800" dirty="0" smtClean="0">
+                <a:solidFill>
+                  <a:srgbClr val="558ED5"/>
+                </a:solidFill>
+              </a:rPr>
+              <a:t>market crash</a:t>
+            </a:r>
+            <a:r>
+              <a:rPr lang="en-US" sz="2800" dirty="0">
+                <a:solidFill>
+                  <a:srgbClr val="558ED5"/>
+                </a:solidFill>
+              </a:rPr>
+              <a:t>.  </a:t>
+            </a:r>
+          </a:p>
+          <a:p>
+            <a:endParaRPr lang="en-US" sz="2800" dirty="0">
+              <a:solidFill>
+                <a:srgbClr val="558ED5"/>
+              </a:solidFill>
+            </a:endParaRPr>
+          </a:p>
+        </p:txBody>
+      </p:sp>
+      <p:pic>
+        <p:nvPicPr>
+          <p:cNvPr id="4" name="Picture 3" descr="output_003.png"/>
+          <p:cNvPicPr>
+            <a:picLocks noChangeAspect="1"/>
+          </p:cNvPicPr>
+          <p:nvPr/>
+        </p:nvPicPr>
+        <p:blipFill>
+          <a:blip r:embed="rId2">
+            <a:extLst>
+              <a:ext uri="{28A0092B-C50C-407E-A947-70E740481C1C}">
+                <a14:useLocalDpi xmlns:a14="http://schemas.microsoft.com/office/drawing/2010/main" val="0"/>
+              </a:ext>
+            </a:extLst>
+          </a:blip>
+          <a:stretch>
+            <a:fillRect/>
+          </a:stretch>
+        </p:blipFill>
+        <p:spPr>
+          <a:xfrm>
+            <a:off x="457200" y="1773338"/>
+            <a:ext cx="5715747" cy="3819792"/>
+          </a:xfrm>
+          <a:prstGeom prst="rect">
+            <a:avLst/>
+          </a:prstGeom>
+        </p:spPr>
+      </p:pic>
+    </p:spTree>
+    <p:extLst>
+      <p:ext uri="{BB962C8B-B14F-4D97-AF65-F5344CB8AC3E}">
+        <p14:creationId xmlns:p14="http://schemas.microsoft.com/office/powerpoint/2010/main" val="3180521127"/>
+      </p:ext>
+    </p:extLst>
+  </p:cSld>
+  <p:clrMapOvr>
+    <a:masterClrMapping/>
+  </p:clrMapOvr>
+</p:sld>
+</file>
+
+<file path=ppt/slides/slide8.xml><?xml version="1.0" encoding="utf-8"?>
+<p:sld xmlns:a="http://schemas.openxmlformats.org/drawingml/2006/main" xmlns:r="http://schemas.openxmlformats.org/officeDocument/2006/relationships" xmlns:p="http://schemas.openxmlformats.org/presentationml/2006/main">
+  <p:cSld>
+    <p:spTree>
+      <p:nvGrpSpPr>
+        <p:cNvPr id="1" name=""/>
+        <p:cNvGrpSpPr/>
+        <p:nvPr/>
+      </p:nvGrpSpPr>
+      <p:grpSpPr>
+        <a:xfrm>
+          <a:off x="0" y="0"/>
+          <a:ext cx="0" cy="0"/>
+          <a:chOff x="0" y="0"/>
+          <a:chExt cx="0" cy="0"/>
+        </a:xfrm>
+      </p:grpSpPr>
+      <p:sp>
+        <p:nvSpPr>
+          <p:cNvPr id="2" name="Title 1"/>
+          <p:cNvSpPr>
+            <a:spLocks noGrp="1"/>
+          </p:cNvSpPr>
+          <p:nvPr>
+            <p:ph type="title"/>
+          </p:nvPr>
+        </p:nvSpPr>
+        <p:spPr/>
+        <p:txBody>
+          <a:bodyPr>
+            <a:normAutofit fontScale="90000"/>
+          </a:bodyPr>
+          <a:lstStyle/>
+          <a:p>
+            <a:r>
+              <a:rPr lang="en-US" dirty="0" smtClean="0"/>
+              <a:t>Zipcode Analysis</a:t>
+            </a:r>
+            <a:br>
+              <a:rPr lang="en-US" dirty="0" smtClean="0"/>
+            </a:br>
+            <a:r>
+              <a:rPr lang="en-US" dirty="0" smtClean="0"/>
+              <a:t>By Season</a:t>
+            </a:r>
+            <a:endParaRPr lang="en-US" dirty="0"/>
+          </a:p>
+        </p:txBody>
+      </p:sp>
+      <p:pic>
+        <p:nvPicPr>
+          <p:cNvPr id="5" name="Content Placeholder 4" descr="output_004.png"/>
+          <p:cNvPicPr>
+            <a:picLocks noGrp="1" noChangeAspect="1"/>
+          </p:cNvPicPr>
+          <p:nvPr>
+            <p:ph idx="1"/>
+          </p:nvPr>
+        </p:nvPicPr>
+        <p:blipFill>
+          <a:blip r:embed="rId2">
+            <a:extLst>
+              <a:ext uri="{28A0092B-C50C-407E-A947-70E740481C1C}">
+                <a14:useLocalDpi xmlns:a14="http://schemas.microsoft.com/office/drawing/2010/main" val="0"/>
+              </a:ext>
+            </a:extLst>
+          </a:blip>
+          <a:srcRect l="15129" r="15129"/>
+          <a:stretch>
+            <a:fillRect/>
+          </a:stretch>
+        </p:blipFill>
+        <p:spPr>
+          <a:xfrm>
+            <a:off x="1959749" y="2160687"/>
+            <a:ext cx="5579744" cy="3751054"/>
+          </a:xfrm>
+        </p:spPr>
+      </p:pic>
+      <p:cxnSp>
+        <p:nvCxnSpPr>
+          <p:cNvPr id="9" name="Straight Arrow Connector 8"/>
+          <p:cNvCxnSpPr/>
+          <p:nvPr/>
+        </p:nvCxnSpPr>
+        <p:spPr>
+          <a:xfrm>
+            <a:off x="1004865" y="5039221"/>
+            <a:ext cx="1909768" cy="0"/>
+          </a:xfrm>
+          <a:prstGeom prst="straightConnector1">
+            <a:avLst/>
+          </a:prstGeom>
+          <a:ln>
+            <a:tailEnd type="arrow"/>
+          </a:ln>
+        </p:spPr>
+        <p:style>
+          <a:lnRef idx="2">
+            <a:schemeClr val="accent3"/>
+          </a:lnRef>
+          <a:fillRef idx="0">
+            <a:schemeClr val="accent3"/>
+          </a:fillRef>
+          <a:effectRef idx="1">
+            <a:schemeClr val="accent3"/>
+          </a:effectRef>
+          <a:fontRef idx="minor">
+            <a:schemeClr val="tx1"/>
+          </a:fontRef>
+        </p:style>
+      </p:cxnSp>
+      <p:cxnSp>
+        <p:nvCxnSpPr>
+          <p:cNvPr id="14" name="Straight Arrow Connector 13"/>
+          <p:cNvCxnSpPr/>
+          <p:nvPr/>
+        </p:nvCxnSpPr>
+        <p:spPr>
+          <a:xfrm flipV="1">
+            <a:off x="910284" y="2607425"/>
+            <a:ext cx="2553699" cy="13510"/>
+          </a:xfrm>
+          <a:prstGeom prst="straightConnector1">
+            <a:avLst/>
+          </a:prstGeom>
+          <a:ln>
+            <a:tailEnd type="arrow"/>
+          </a:ln>
+        </p:spPr>
+        <p:style>
+          <a:lnRef idx="2">
+            <a:schemeClr val="accent2"/>
+          </a:lnRef>
+          <a:fillRef idx="0">
+            <a:schemeClr val="accent2"/>
+          </a:fillRef>
+          <a:effectRef idx="1">
+            <a:schemeClr val="accent2"/>
+          </a:effectRef>
+          <a:fontRef idx="minor">
+            <a:schemeClr val="tx1"/>
+          </a:fontRef>
+        </p:style>
+      </p:cxnSp>
+      <p:sp>
+        <p:nvSpPr>
+          <p:cNvPr id="15" name="TextBox 14"/>
+          <p:cNvSpPr txBox="1"/>
+          <p:nvPr/>
+        </p:nvSpPr>
+        <p:spPr>
+          <a:xfrm>
+            <a:off x="1004865" y="4713983"/>
+            <a:ext cx="2134839" cy="369332"/>
+          </a:xfrm>
+          <a:prstGeom prst="rect">
+            <a:avLst/>
+          </a:prstGeom>
+          <a:noFill/>
+        </p:spPr>
+        <p:txBody>
+          <a:bodyPr wrap="square" rtlCol="0">
+            <a:spAutoFit/>
+          </a:bodyPr>
+          <a:lstStyle/>
+          <a:p>
+            <a:r>
+              <a:rPr lang="en-US" b="1" dirty="0" smtClean="0">
+                <a:solidFill>
+                  <a:schemeClr val="accent3">
+                    <a:lumMod val="75000"/>
+                  </a:schemeClr>
+                </a:solidFill>
+              </a:rPr>
+              <a:t>BUY</a:t>
+            </a:r>
+            <a:endParaRPr lang="en-US" b="1" dirty="0">
+              <a:solidFill>
+                <a:schemeClr val="accent3">
+                  <a:lumMod val="75000"/>
+                </a:schemeClr>
+              </a:solidFill>
+            </a:endParaRPr>
+          </a:p>
+        </p:txBody>
+      </p:sp>
+      <p:sp>
+        <p:nvSpPr>
+          <p:cNvPr id="16" name="TextBox 15"/>
+          <p:cNvSpPr txBox="1"/>
+          <p:nvPr/>
+        </p:nvSpPr>
+        <p:spPr>
+          <a:xfrm>
+            <a:off x="874375" y="2238093"/>
+            <a:ext cx="2040258" cy="369332"/>
+          </a:xfrm>
+          <a:prstGeom prst="rect">
+            <a:avLst/>
+          </a:prstGeom>
+          <a:noFill/>
+        </p:spPr>
+        <p:txBody>
+          <a:bodyPr wrap="square" rtlCol="0">
+            <a:spAutoFit/>
+          </a:bodyPr>
+          <a:lstStyle/>
+          <a:p>
+            <a:r>
+              <a:rPr lang="en-US" b="1" dirty="0" smtClean="0">
+                <a:solidFill>
+                  <a:srgbClr val="FF0000"/>
+                </a:solidFill>
+              </a:rPr>
+              <a:t>SELL</a:t>
+            </a:r>
+            <a:endParaRPr lang="en-US" b="1" dirty="0">
+              <a:solidFill>
+                <a:srgbClr val="FF0000"/>
+              </a:solidFill>
+            </a:endParaRPr>
+          </a:p>
+        </p:txBody>
+      </p:sp>
+      <p:sp>
+        <p:nvSpPr>
+          <p:cNvPr id="17" name="TextBox 16"/>
+          <p:cNvSpPr txBox="1"/>
+          <p:nvPr/>
+        </p:nvSpPr>
+        <p:spPr>
+          <a:xfrm>
+            <a:off x="5269537" y="1675237"/>
+            <a:ext cx="3256305" cy="369332"/>
+          </a:xfrm>
+          <a:prstGeom prst="rect">
+            <a:avLst/>
+          </a:prstGeom>
+          <a:noFill/>
+        </p:spPr>
+        <p:txBody>
+          <a:bodyPr wrap="square" rtlCol="0">
+            <a:spAutoFit/>
+          </a:bodyPr>
+          <a:lstStyle/>
+          <a:p>
+            <a:r>
+              <a:rPr lang="en-US" dirty="0" smtClean="0">
+                <a:solidFill>
+                  <a:schemeClr val="tx2">
+                    <a:lumMod val="60000"/>
+                    <a:lumOff val="40000"/>
+                  </a:schemeClr>
+                </a:solidFill>
+              </a:rPr>
+              <a:t>Example Results: Zipcode 60647 </a:t>
+            </a:r>
+            <a:endParaRPr lang="en-US" dirty="0">
+              <a:solidFill>
+                <a:schemeClr val="tx2">
+                  <a:lumMod val="60000"/>
+                  <a:lumOff val="40000"/>
+                </a:schemeClr>
+              </a:solidFill>
+            </a:endParaRPr>
+          </a:p>
+        </p:txBody>
+      </p:sp>
+    </p:spTree>
+    <p:extLst>
+      <p:ext uri="{BB962C8B-B14F-4D97-AF65-F5344CB8AC3E}">
+        <p14:creationId xmlns:p14="http://schemas.microsoft.com/office/powerpoint/2010/main" val="388206512"/>
+      </p:ext>
+    </p:extLst>
+  </p:cSld>
+  <p:clrMapOvr>
+    <a:masterClrMapping/>
+  </p:clrMapOvr>
+</p:sld>
+</file>
+
+<file path=ppt/slides/slide9.xml><?xml version="1.0" encoding="utf-8"?>
+<p:sld xmlns:a="http://schemas.openxmlformats.org/drawingml/2006/main" xmlns:r="http://schemas.openxmlformats.org/officeDocument/2006/relationships" xmlns:p="http://schemas.openxmlformats.org/presentationml/2006/main">
+  <p:cSld>
+    <p:spTree>
+      <p:nvGrpSpPr>
+        <p:cNvPr id="1" name=""/>
+        <p:cNvGrpSpPr/>
+        <p:nvPr/>
+      </p:nvGrpSpPr>
+      <p:grpSpPr>
+        <a:xfrm>
+          <a:off x="0" y="0"/>
+          <a:ext cx="0" cy="0"/>
+          <a:chOff x="0" y="0"/>
+          <a:chExt cx="0" cy="0"/>
+        </a:xfrm>
+      </p:grpSpPr>
+      <p:sp>
+        <p:nvSpPr>
+          <p:cNvPr id="2" name="Title 1"/>
+          <p:cNvSpPr>
+            <a:spLocks noGrp="1"/>
+          </p:cNvSpPr>
+          <p:nvPr>
+            <p:ph type="title"/>
+          </p:nvPr>
+        </p:nvSpPr>
+        <p:spPr/>
+        <p:txBody>
+          <a:bodyPr>
+            <a:normAutofit fontScale="90000"/>
+          </a:bodyPr>
+          <a:lstStyle/>
+          <a:p>
+            <a:r>
+              <a:rPr lang="en-US" dirty="0" smtClean="0"/>
+              <a:t>Zipcode Analysis</a:t>
+            </a:r>
+            <a:br>
+              <a:rPr lang="en-US" dirty="0" smtClean="0"/>
+            </a:br>
+            <a:r>
+              <a:rPr lang="en-US" dirty="0" smtClean="0"/>
+              <a:t>Price Prediction</a:t>
+            </a:r>
+            <a:endParaRPr lang="en-US" dirty="0"/>
+          </a:p>
+        </p:txBody>
+      </p:sp>
+      <p:pic>
+        <p:nvPicPr>
+          <p:cNvPr id="4" name="Picture 3" descr="output_005.png"/>
+          <p:cNvPicPr>
+            <a:picLocks noChangeAspect="1"/>
+          </p:cNvPicPr>
+          <p:nvPr/>
+        </p:nvPicPr>
+        <p:blipFill>
+          <a:blip r:embed="rId2">
+            <a:extLst>
+              <a:ext uri="{28A0092B-C50C-407E-A947-70E740481C1C}">
+                <a14:useLocalDpi xmlns:a14="http://schemas.microsoft.com/office/drawing/2010/main" val="0"/>
+              </a:ext>
+            </a:extLst>
+          </a:blip>
+          <a:stretch>
+            <a:fillRect/>
+          </a:stretch>
+        </p:blipFill>
+        <p:spPr>
+          <a:xfrm>
+            <a:off x="265905" y="1526626"/>
+            <a:ext cx="8567328" cy="4551393"/>
+          </a:xfrm>
+          <a:prstGeom prst="rect">
+            <a:avLst/>
+          </a:prstGeom>
+        </p:spPr>
+      </p:pic>
+      <p:sp>
+        <p:nvSpPr>
+          <p:cNvPr id="10" name="TextBox 9"/>
+          <p:cNvSpPr txBox="1"/>
+          <p:nvPr/>
+        </p:nvSpPr>
+        <p:spPr>
+          <a:xfrm>
+            <a:off x="5053353" y="6041054"/>
+            <a:ext cx="3361020" cy="369332"/>
+          </a:xfrm>
+          <a:prstGeom prst="rect">
+            <a:avLst/>
+          </a:prstGeom>
+          <a:noFill/>
+        </p:spPr>
+        <p:txBody>
+          <a:bodyPr wrap="square" rtlCol="0">
+            <a:spAutoFit/>
+          </a:bodyPr>
+          <a:lstStyle/>
+          <a:p>
+            <a:r>
+              <a:rPr lang="en-US" dirty="0" smtClean="0">
+                <a:solidFill>
+                  <a:schemeClr val="tx2">
+                    <a:lumMod val="60000"/>
+                    <a:lumOff val="40000"/>
+                  </a:schemeClr>
+                </a:solidFill>
+              </a:rPr>
+              <a:t>Example Results: Zipcode 60647 </a:t>
+            </a:r>
+            <a:endParaRPr lang="en-US" dirty="0">
+              <a:solidFill>
+                <a:schemeClr val="tx2">
+                  <a:lumMod val="60000"/>
+                  <a:lumOff val="40000"/>
+                </a:schemeClr>
+              </a:solidFill>
+            </a:endParaRPr>
+          </a:p>
+        </p:txBody>
+      </p:sp>
+    </p:spTree>
+    <p:extLst>
+      <p:ext uri="{BB962C8B-B14F-4D97-AF65-F5344CB8AC3E}">
+        <p14:creationId xmlns:p14="http://schemas.microsoft.com/office/powerpoint/2010/main" val="3429186238"/>
+      </p:ext>
+    </p:extLst>
+  </p:cSld>
+  <p:clrMapOvr>
+    <a:masterClrMapping/>
+  </p:clrMapOvr>
 </p:sld>
 </file>
 

--- a/time-series/Project4_NonTechnicalPresentation.pptx
+++ b/time-series/Project4_NonTechnicalPresentation.pptx
@@ -16,9 +16,8 @@
     <p:sldId id="276" r:id="rId10"/>
     <p:sldId id="277" r:id="rId11"/>
     <p:sldId id="278" r:id="rId12"/>
-    <p:sldId id="279" r:id="rId13"/>
-    <p:sldId id="265" r:id="rId14"/>
-    <p:sldId id="263" r:id="rId15"/>
+    <p:sldId id="265" r:id="rId13"/>
+    <p:sldId id="263" r:id="rId14"/>
   </p:sldIdLst>
   <p:sldSz cx="9144000" cy="6858000" type="screen4x3"/>
   <p:notesSz cx="6858000" cy="9144000"/>
@@ -301,7 +300,7 @@
           <a:p>
             <a:fld id="{63D89B8C-7320-E246-A418-E12C10D54F44}" type="datetimeFigureOut">
               <a:rPr lang="en-US" smtClean="0"/>
-              <a:t>21/10/20</a:t>
+              <a:t>01/11/20</a:t>
             </a:fld>
             <a:endParaRPr lang="en-US"/>
           </a:p>
@@ -471,7 +470,7 @@
           <a:p>
             <a:fld id="{63D89B8C-7320-E246-A418-E12C10D54F44}" type="datetimeFigureOut">
               <a:rPr lang="en-US" smtClean="0"/>
-              <a:t>21/10/20</a:t>
+              <a:t>01/11/20</a:t>
             </a:fld>
             <a:endParaRPr lang="en-US"/>
           </a:p>
@@ -651,7 +650,7 @@
           <a:p>
             <a:fld id="{63D89B8C-7320-E246-A418-E12C10D54F44}" type="datetimeFigureOut">
               <a:rPr lang="en-US" smtClean="0"/>
-              <a:t>21/10/20</a:t>
+              <a:t>01/11/20</a:t>
             </a:fld>
             <a:endParaRPr lang="en-US"/>
           </a:p>
@@ -821,7 +820,7 @@
           <a:p>
             <a:fld id="{63D89B8C-7320-E246-A418-E12C10D54F44}" type="datetimeFigureOut">
               <a:rPr lang="en-US" smtClean="0"/>
-              <a:t>21/10/20</a:t>
+              <a:t>01/11/20</a:t>
             </a:fld>
             <a:endParaRPr lang="en-US"/>
           </a:p>
@@ -1067,7 +1066,7 @@
           <a:p>
             <a:fld id="{63D89B8C-7320-E246-A418-E12C10D54F44}" type="datetimeFigureOut">
               <a:rPr lang="en-US" smtClean="0"/>
-              <a:t>21/10/20</a:t>
+              <a:t>01/11/20</a:t>
             </a:fld>
             <a:endParaRPr lang="en-US"/>
           </a:p>
@@ -1355,7 +1354,7 @@
           <a:p>
             <a:fld id="{63D89B8C-7320-E246-A418-E12C10D54F44}" type="datetimeFigureOut">
               <a:rPr lang="en-US" smtClean="0"/>
-              <a:t>21/10/20</a:t>
+              <a:t>01/11/20</a:t>
             </a:fld>
             <a:endParaRPr lang="en-US"/>
           </a:p>
@@ -1777,7 +1776,7 @@
           <a:p>
             <a:fld id="{63D89B8C-7320-E246-A418-E12C10D54F44}" type="datetimeFigureOut">
               <a:rPr lang="en-US" smtClean="0"/>
-              <a:t>21/10/20</a:t>
+              <a:t>01/11/20</a:t>
             </a:fld>
             <a:endParaRPr lang="en-US"/>
           </a:p>
@@ -1895,7 +1894,7 @@
           <a:p>
             <a:fld id="{63D89B8C-7320-E246-A418-E12C10D54F44}" type="datetimeFigureOut">
               <a:rPr lang="en-US" smtClean="0"/>
-              <a:t>21/10/20</a:t>
+              <a:t>01/11/20</a:t>
             </a:fld>
             <a:endParaRPr lang="en-US"/>
           </a:p>
@@ -1990,7 +1989,7 @@
           <a:p>
             <a:fld id="{63D89B8C-7320-E246-A418-E12C10D54F44}" type="datetimeFigureOut">
               <a:rPr lang="en-US" smtClean="0"/>
-              <a:t>21/10/20</a:t>
+              <a:t>01/11/20</a:t>
             </a:fld>
             <a:endParaRPr lang="en-US"/>
           </a:p>
@@ -2267,7 +2266,7 @@
           <a:p>
             <a:fld id="{63D89B8C-7320-E246-A418-E12C10D54F44}" type="datetimeFigureOut">
               <a:rPr lang="en-US" smtClean="0"/>
-              <a:t>21/10/20</a:t>
+              <a:t>01/11/20</a:t>
             </a:fld>
             <a:endParaRPr lang="en-US"/>
           </a:p>
@@ -2520,7 +2519,7 @@
           <a:p>
             <a:fld id="{63D89B8C-7320-E246-A418-E12C10D54F44}" type="datetimeFigureOut">
               <a:rPr lang="en-US" smtClean="0"/>
-              <a:t>21/10/20</a:t>
+              <a:t>01/11/20</a:t>
             </a:fld>
             <a:endParaRPr lang="en-US"/>
           </a:p>
@@ -2733,7 +2732,7 @@
           <a:p>
             <a:fld id="{63D89B8C-7320-E246-A418-E12C10D54F44}" type="datetimeFigureOut">
               <a:rPr lang="en-US" smtClean="0"/>
-              <a:t>21/10/20</a:t>
+              <a:t>01/11/20</a:t>
             </a:fld>
             <a:endParaRPr lang="en-US"/>
           </a:p>
@@ -3179,18 +3178,7 @@
                   </a:schemeClr>
                 </a:solidFill>
               </a:rPr>
-              <a:t>Zillow House Sales </a:t>
-            </a:r>
-            <a:r>
-              <a:rPr lang="en-US" dirty="0" smtClean="0">
-                <a:solidFill>
-                  <a:schemeClr val="tx2">
-                    <a:lumMod val="60000"/>
-                    <a:lumOff val="40000"/>
-                  </a:schemeClr>
-                </a:solidFill>
-              </a:rPr>
-              <a:t>Data</a:t>
+              <a:t>Zillow House Sales Data</a:t>
             </a:r>
           </a:p>
           <a:p>
@@ -3395,6 +3383,13 @@
   <p:clrMapOvr>
     <a:masterClrMapping/>
   </p:clrMapOvr>
+  <p:timing>
+    <p:tnLst>
+      <p:par>
+        <p:cTn xmlns:p14="http://schemas.microsoft.com/office/powerpoint/2010/main" id="1" dur="indefinite" restart="never" nodeType="tmRoot"/>
+      </p:par>
+    </p:tnLst>
+  </p:timing>
 </p:sld>
 </file>
 
@@ -3477,6 +3472,158 @@
           </a:prstGeom>
         </p:spPr>
       </p:pic>
+      <p:sp>
+        <p:nvSpPr>
+          <p:cNvPr id="5" name="TextBox 4"/>
+          <p:cNvSpPr txBox="1"/>
+          <p:nvPr/>
+        </p:nvSpPr>
+        <p:spPr>
+          <a:xfrm>
+            <a:off x="1067419" y="3890872"/>
+            <a:ext cx="7927953" cy="1661993"/>
+          </a:xfrm>
+          <a:prstGeom prst="rect">
+            <a:avLst/>
+          </a:prstGeom>
+          <a:noFill/>
+        </p:spPr>
+        <p:txBody>
+          <a:bodyPr wrap="square" rtlCol="0">
+            <a:spAutoFit/>
+          </a:bodyPr>
+          <a:lstStyle/>
+          <a:p>
+            <a:r>
+              <a:rPr lang="fr-FR" sz="2800" dirty="0" smtClean="0">
+                <a:solidFill>
+                  <a:schemeClr val="accent3">
+                    <a:lumMod val="75000"/>
+                  </a:schemeClr>
+                </a:solidFill>
+              </a:rPr>
+              <a:t>			</a:t>
+            </a:r>
+            <a:endParaRPr lang="fr-FR" sz="2800" dirty="0" smtClean="0">
+              <a:solidFill>
+                <a:schemeClr val="accent3">
+                  <a:lumMod val="75000"/>
+                </a:schemeClr>
+              </a:solidFill>
+            </a:endParaRPr>
+          </a:p>
+          <a:p>
+            <a:r>
+              <a:rPr lang="fr-FR" sz="2000" dirty="0" smtClean="0">
+                <a:solidFill>
+                  <a:schemeClr val="accent3">
+                    <a:lumMod val="75000"/>
+                  </a:schemeClr>
+                </a:solidFill>
+              </a:rPr>
+              <a:t> $12,630               $84,370            $66,530           $26,650             $</a:t>
+            </a:r>
+            <a:r>
+              <a:rPr lang="fr-FR" sz="2000" dirty="0" smtClean="0">
+                <a:solidFill>
+                  <a:schemeClr val="accent3">
+                    <a:lumMod val="75000"/>
+                  </a:schemeClr>
+                </a:solidFill>
+              </a:rPr>
+              <a:t>47,660</a:t>
+            </a:r>
+            <a:endParaRPr lang="en-US" sz="2000" dirty="0" smtClean="0">
+              <a:solidFill>
+                <a:schemeClr val="accent3">
+                  <a:lumMod val="75000"/>
+                </a:schemeClr>
+              </a:solidFill>
+            </a:endParaRPr>
+          </a:p>
+          <a:p>
+            <a:endParaRPr lang="en-US" dirty="0"/>
+          </a:p>
+          <a:p>
+            <a:endParaRPr lang="en-US" dirty="0" smtClean="0"/>
+          </a:p>
+          <a:p>
+            <a:endParaRPr lang="en-US" dirty="0" smtClean="0"/>
+          </a:p>
+        </p:txBody>
+      </p:sp>
+      <p:pic>
+        <p:nvPicPr>
+          <p:cNvPr id="6" name="Picture 5" descr="hand-gives-home-and-key-to-other-hand-with-money-cash-vector-id926274952.jpg"/>
+          <p:cNvPicPr>
+            <a:picLocks noChangeAspect="1"/>
+          </p:cNvPicPr>
+          <p:nvPr/>
+        </p:nvPicPr>
+        <p:blipFill>
+          <a:blip r:embed="rId3">
+            <a:extLst>
+              <a:ext uri="{28A0092B-C50C-407E-A947-70E740481C1C}">
+                <a14:useLocalDpi xmlns:a14="http://schemas.microsoft.com/office/drawing/2010/main" val="0"/>
+              </a:ext>
+            </a:extLst>
+          </a:blip>
+          <a:stretch>
+            <a:fillRect/>
+          </a:stretch>
+        </p:blipFill>
+        <p:spPr>
+          <a:xfrm>
+            <a:off x="7196480" y="824108"/>
+            <a:ext cx="1640130" cy="1606613"/>
+          </a:xfrm>
+          <a:prstGeom prst="rect">
+            <a:avLst/>
+          </a:prstGeom>
+        </p:spPr>
+      </p:pic>
+      <p:sp>
+        <p:nvSpPr>
+          <p:cNvPr id="7" name="TextBox 6"/>
+          <p:cNvSpPr txBox="1"/>
+          <p:nvPr/>
+        </p:nvSpPr>
+        <p:spPr>
+          <a:xfrm>
+            <a:off x="7196481" y="2430721"/>
+            <a:ext cx="1490319" cy="646331"/>
+          </a:xfrm>
+          <a:prstGeom prst="rect">
+            <a:avLst/>
+          </a:prstGeom>
+          <a:noFill/>
+        </p:spPr>
+        <p:txBody>
+          <a:bodyPr wrap="square" rtlCol="0">
+            <a:spAutoFit/>
+          </a:bodyPr>
+          <a:lstStyle/>
+          <a:p>
+            <a:r>
+              <a:rPr lang="en-US" b="1" dirty="0" smtClean="0">
+                <a:solidFill>
+                  <a:schemeClr val="accent3">
+                    <a:lumMod val="75000"/>
+                  </a:schemeClr>
+                </a:solidFill>
+              </a:rPr>
+              <a:t>$100K Investment</a:t>
+            </a:r>
+            <a:endParaRPr lang="en-US" b="1" dirty="0">
+              <a:solidFill>
+                <a:schemeClr val="accent3">
+                  <a:lumMod val="75000"/>
+                </a:schemeClr>
+              </a:solidFill>
+            </a:endParaRPr>
+          </a:p>
+        </p:txBody>
+      </p:sp>
     </p:spTree>
     <p:extLst>
       <p:ext uri="{BB962C8B-B14F-4D97-AF65-F5344CB8AC3E}">
@@ -3487,6 +3634,13 @@
   <p:clrMapOvr>
     <a:masterClrMapping/>
   </p:clrMapOvr>
+  <p:timing>
+    <p:tnLst>
+      <p:par>
+        <p:cTn xmlns:p14="http://schemas.microsoft.com/office/powerpoint/2010/main" id="1" dur="indefinite" restart="never" nodeType="tmRoot"/>
+      </p:par>
+    </p:tnLst>
+  </p:timing>
 </p:sld>
 </file>
 
@@ -3517,250 +3671,372 @@
             <p:ph type="title"/>
           </p:nvPr>
         </p:nvSpPr>
+        <p:spPr/>
+        <p:txBody>
+          <a:bodyPr/>
+          <a:lstStyle/>
+          <a:p>
+            <a:r>
+              <a:rPr lang="en-US" dirty="0" smtClean="0"/>
+              <a:t>Potential Future Work</a:t>
+            </a:r>
+            <a:endParaRPr lang="en-US" dirty="0"/>
+          </a:p>
+        </p:txBody>
+      </p:sp>
+      <p:sp>
+        <p:nvSpPr>
+          <p:cNvPr id="3" name="Content Placeholder 2"/>
+          <p:cNvSpPr>
+            <a:spLocks noGrp="1"/>
+          </p:cNvSpPr>
+          <p:nvPr>
+            <p:ph idx="1"/>
+          </p:nvPr>
+        </p:nvSpPr>
         <p:spPr>
           <a:xfrm>
-            <a:off x="3675166" y="733978"/>
-            <a:ext cx="5106216" cy="1143000"/>
+            <a:off x="457200" y="1417638"/>
+            <a:ext cx="8229600" cy="5283309"/>
           </a:xfrm>
         </p:spPr>
         <p:txBody>
           <a:bodyPr>
-            <a:normAutofit fontScale="90000"/>
+            <a:normAutofit fontScale="77500" lnSpcReduction="20000"/>
           </a:bodyPr>
           <a:lstStyle/>
           <a:p>
-            <a:r>
-              <a:rPr lang="en-US" dirty="0" smtClean="0"/>
-              <a:t>Predicted 10 YR ROI</a:t>
-            </a:r>
-            <a:br>
-              <a:rPr lang="en-US" dirty="0" smtClean="0"/>
-            </a:br>
-            <a:r>
-              <a:rPr lang="en-US" dirty="0"/>
-              <a:t/>
-            </a:r>
-            <a:br>
-              <a:rPr lang="en-US" dirty="0"/>
-            </a:br>
+            <a:pPr marL="0" indent="0">
+              <a:buNone/>
+            </a:pPr>
             <a:r>
               <a:rPr lang="en-US" dirty="0" smtClean="0">
                 <a:solidFill>
-                  <a:srgbClr val="558ED5"/>
-                </a:solidFill>
-              </a:rPr>
-              <a:t>$100k Investment</a:t>
+                  <a:schemeClr val="tx2">
+                    <a:lumMod val="75000"/>
+                  </a:schemeClr>
+                </a:solidFill>
+              </a:rPr>
+              <a:t>This </a:t>
+            </a:r>
+            <a:r>
+              <a:rPr lang="en-US" dirty="0">
+                <a:solidFill>
+                  <a:schemeClr val="tx2">
+                    <a:lumMod val="75000"/>
+                  </a:schemeClr>
+                </a:solidFill>
+              </a:rPr>
+              <a:t>analysis may be adjusted to </a:t>
+            </a:r>
+            <a:r>
+              <a:rPr lang="en-US" dirty="0" smtClean="0">
+                <a:solidFill>
+                  <a:schemeClr val="tx2">
+                    <a:lumMod val="75000"/>
+                  </a:schemeClr>
+                </a:solidFill>
+              </a:rPr>
+              <a:t>analyze </a:t>
+            </a:r>
+            <a:r>
+              <a:rPr lang="en-US" dirty="0">
+                <a:solidFill>
+                  <a:schemeClr val="tx2">
+                    <a:lumMod val="75000"/>
+                  </a:schemeClr>
+                </a:solidFill>
+              </a:rPr>
+              <a:t>data of a number of permutations of risk profiles including for example:</a:t>
+            </a:r>
+          </a:p>
+          <a:p>
+            <a:pPr marL="0" indent="0">
+              <a:buNone/>
+            </a:pPr>
+            <a:r>
+              <a:rPr lang="en-US" dirty="0">
+                <a:solidFill>
+                  <a:schemeClr val="tx2">
+                    <a:lumMod val="75000"/>
+                  </a:schemeClr>
+                </a:solidFill>
+              </a:rPr>
+              <a:t>    - </a:t>
+            </a:r>
+            <a:r>
+              <a:rPr lang="en-US" dirty="0" smtClean="0">
+                <a:solidFill>
+                  <a:schemeClr val="tx2">
+                    <a:lumMod val="75000"/>
+                  </a:schemeClr>
+                </a:solidFill>
+              </a:rPr>
+              <a:t>By Country, </a:t>
+            </a:r>
+            <a:r>
+              <a:rPr lang="en-US" dirty="0" smtClean="0">
+                <a:solidFill>
+                  <a:schemeClr val="tx2">
+                    <a:lumMod val="75000"/>
+                  </a:schemeClr>
+                </a:solidFill>
+              </a:rPr>
+              <a:t>City</a:t>
+            </a:r>
+            <a:r>
+              <a:rPr lang="en-US" dirty="0">
+                <a:solidFill>
+                  <a:schemeClr val="tx2">
+                    <a:lumMod val="75000"/>
+                  </a:schemeClr>
+                </a:solidFill>
+              </a:rPr>
+              <a:t>, </a:t>
+            </a:r>
+            <a:r>
+              <a:rPr lang="en-US" dirty="0" smtClean="0">
+                <a:solidFill>
+                  <a:schemeClr val="tx2">
+                    <a:lumMod val="75000"/>
+                  </a:schemeClr>
+                </a:solidFill>
+              </a:rPr>
+              <a:t>State </a:t>
+            </a:r>
+            <a:r>
+              <a:rPr lang="en-US" dirty="0">
+                <a:solidFill>
+                  <a:schemeClr val="tx2">
+                    <a:lumMod val="75000"/>
+                  </a:schemeClr>
+                </a:solidFill>
+              </a:rPr>
+              <a:t>or </a:t>
+            </a:r>
+            <a:r>
+              <a:rPr lang="en-US" dirty="0">
+                <a:solidFill>
+                  <a:schemeClr val="tx2">
+                    <a:lumMod val="75000"/>
+                  </a:schemeClr>
+                </a:solidFill>
+              </a:rPr>
+              <a:t>R</a:t>
+            </a:r>
+            <a:r>
+              <a:rPr lang="en-US" dirty="0" smtClean="0">
+                <a:solidFill>
+                  <a:schemeClr val="tx2">
+                    <a:lumMod val="75000"/>
+                  </a:schemeClr>
+                </a:solidFill>
+              </a:rPr>
+              <a:t>egion </a:t>
+            </a:r>
+          </a:p>
+          <a:p>
+            <a:pPr marL="0" indent="0">
+              <a:buNone/>
+            </a:pPr>
+            <a:r>
+              <a:rPr lang="en-US" dirty="0">
+                <a:solidFill>
+                  <a:schemeClr val="tx2">
+                    <a:lumMod val="75000"/>
+                  </a:schemeClr>
+                </a:solidFill>
+              </a:rPr>
+              <a:t> </a:t>
+            </a:r>
+            <a:r>
+              <a:rPr lang="en-US" dirty="0" smtClean="0">
+                <a:solidFill>
+                  <a:schemeClr val="tx2">
+                    <a:lumMod val="75000"/>
+                  </a:schemeClr>
+                </a:solidFill>
+              </a:rPr>
+              <a:t>   </a:t>
+            </a:r>
+            <a:r>
+              <a:rPr lang="en-US" dirty="0" smtClean="0">
+                <a:solidFill>
+                  <a:schemeClr val="tx2">
+                    <a:lumMod val="75000"/>
+                  </a:schemeClr>
+                </a:solidFill>
+              </a:rPr>
+              <a:t>- </a:t>
+            </a:r>
+            <a:r>
+              <a:rPr lang="en-US" dirty="0">
+                <a:solidFill>
+                  <a:schemeClr val="tx2">
+                    <a:lumMod val="75000"/>
+                  </a:schemeClr>
+                </a:solidFill>
+              </a:rPr>
+              <a:t>At different time periods including the full time </a:t>
+            </a:r>
+            <a:r>
+              <a:rPr lang="en-US" dirty="0" smtClean="0">
+                <a:solidFill>
+                  <a:schemeClr val="tx2">
+                    <a:lumMod val="75000"/>
+                  </a:schemeClr>
+                </a:solidFill>
+              </a:rPr>
+              <a:t>period or 	other entry points depending on the requirements of the 	investor.</a:t>
             </a:r>
             <a:endParaRPr lang="en-US" dirty="0">
               <a:solidFill>
-                <a:srgbClr val="558ED5"/>
-              </a:solidFill>
-            </a:endParaRPr>
-          </a:p>
-        </p:txBody>
-      </p:sp>
-      <p:pic>
-        <p:nvPicPr>
-          <p:cNvPr id="4" name="Picture 3" descr="hand-gives-home-and-key-to-other-hand-with-money-cash-vector-id926274952.jpg"/>
-          <p:cNvPicPr>
-            <a:picLocks noChangeAspect="1"/>
-          </p:cNvPicPr>
-          <p:nvPr/>
-        </p:nvPicPr>
-        <p:blipFill>
-          <a:blip r:embed="rId2">
-            <a:extLst>
-              <a:ext uri="{28A0092B-C50C-407E-A947-70E740481C1C}">
-                <a14:useLocalDpi xmlns:a14="http://schemas.microsoft.com/office/drawing/2010/main" val="0"/>
-              </a:ext>
-            </a:extLst>
-          </a:blip>
-          <a:stretch>
-            <a:fillRect/>
-          </a:stretch>
-        </p:blipFill>
-        <p:spPr>
-          <a:xfrm>
-            <a:off x="364813" y="274638"/>
-            <a:ext cx="3492903" cy="2340984"/>
-          </a:xfrm>
-          <a:prstGeom prst="rect">
-            <a:avLst/>
-          </a:prstGeom>
-        </p:spPr>
-      </p:pic>
-      <p:sp>
-        <p:nvSpPr>
-          <p:cNvPr id="5" name="TextBox 4"/>
-          <p:cNvSpPr txBox="1"/>
-          <p:nvPr/>
-        </p:nvSpPr>
-        <p:spPr>
-          <a:xfrm>
-            <a:off x="2540187" y="3161333"/>
-            <a:ext cx="5377631" cy="3508653"/>
-          </a:xfrm>
-          <a:prstGeom prst="rect">
-            <a:avLst/>
-          </a:prstGeom>
-          <a:noFill/>
-        </p:spPr>
-        <p:txBody>
-          <a:bodyPr wrap="square" rtlCol="0">
-            <a:spAutoFit/>
-          </a:bodyPr>
-          <a:lstStyle/>
-          <a:p>
-            <a:r>
-              <a:rPr lang="en-US" sz="2800" b="1" dirty="0" smtClean="0">
-                <a:solidFill>
-                  <a:schemeClr val="tx2">
-                    <a:lumMod val="60000"/>
-                    <a:lumOff val="40000"/>
-                  </a:schemeClr>
-                </a:solidFill>
-              </a:rPr>
-              <a:t>ZIPCODE</a:t>
-            </a:r>
-            <a:r>
-              <a:rPr lang="en-US" sz="2800" b="1" dirty="0" smtClean="0">
-                <a:solidFill>
-                  <a:schemeClr val="accent3">
-                    <a:lumMod val="75000"/>
-                  </a:schemeClr>
-                </a:solidFill>
-              </a:rPr>
-              <a:t> </a:t>
-            </a:r>
-          </a:p>
-          <a:p>
-            <a:r>
-              <a:rPr lang="fr-FR" sz="2800" dirty="0" smtClean="0">
-                <a:solidFill>
-                  <a:srgbClr val="558ED5"/>
-                </a:solidFill>
-              </a:rPr>
-              <a:t>60647</a:t>
-            </a:r>
-            <a:r>
-              <a:rPr lang="fr-FR" sz="2800" dirty="0" smtClean="0">
-                <a:solidFill>
-                  <a:schemeClr val="accent3">
-                    <a:lumMod val="75000"/>
-                  </a:schemeClr>
-                </a:solidFill>
-              </a:rPr>
-              <a:t>   			$12,630</a:t>
-            </a:r>
-          </a:p>
-          <a:p>
-            <a:r>
-              <a:rPr lang="fr-FR" sz="2800" dirty="0" smtClean="0">
-                <a:solidFill>
-                  <a:srgbClr val="558ED5"/>
-                </a:solidFill>
-              </a:rPr>
-              <a:t>60642</a:t>
-            </a:r>
-            <a:r>
-              <a:rPr lang="fr-FR" sz="2800" dirty="0" smtClean="0">
-                <a:solidFill>
-                  <a:schemeClr val="accent3">
-                    <a:lumMod val="75000"/>
-                  </a:schemeClr>
-                </a:solidFill>
-              </a:rPr>
-              <a:t> 			$84,370</a:t>
-            </a:r>
-          </a:p>
-          <a:p>
-            <a:r>
-              <a:rPr lang="fr-FR" sz="2800" dirty="0" smtClean="0">
-                <a:solidFill>
-                  <a:srgbClr val="558ED5"/>
-                </a:solidFill>
-              </a:rPr>
-              <a:t>60622</a:t>
-            </a:r>
-            <a:r>
-              <a:rPr lang="fr-FR" sz="2800" dirty="0" smtClean="0">
-                <a:solidFill>
-                  <a:schemeClr val="accent3">
-                    <a:lumMod val="75000"/>
-                  </a:schemeClr>
-                </a:solidFill>
-              </a:rPr>
-              <a:t> 			$66,530</a:t>
-            </a:r>
-          </a:p>
-          <a:p>
-            <a:r>
-              <a:rPr lang="fr-FR" sz="2800" dirty="0" smtClean="0">
-                <a:solidFill>
-                  <a:srgbClr val="558ED5"/>
-                </a:solidFill>
-              </a:rPr>
-              <a:t>60618</a:t>
-            </a:r>
-            <a:r>
-              <a:rPr lang="fr-FR" sz="2800" dirty="0" smtClean="0">
-                <a:solidFill>
-                  <a:schemeClr val="accent3">
-                    <a:lumMod val="75000"/>
-                  </a:schemeClr>
-                </a:solidFill>
-              </a:rPr>
-              <a:t>   			$26,650</a:t>
-            </a:r>
-          </a:p>
-          <a:p>
-            <a:r>
-              <a:rPr lang="fr-FR" sz="2800" dirty="0" smtClean="0">
-                <a:solidFill>
-                  <a:srgbClr val="558ED5"/>
-                </a:solidFill>
-              </a:rPr>
-              <a:t>60654</a:t>
-            </a:r>
-            <a:r>
-              <a:rPr lang="fr-FR" sz="2800" dirty="0" smtClean="0">
-                <a:solidFill>
-                  <a:schemeClr val="accent3">
-                    <a:lumMod val="75000"/>
-                  </a:schemeClr>
-                </a:solidFill>
-              </a:rPr>
-              <a:t>  			$47,660</a:t>
-            </a:r>
-            <a:endParaRPr lang="en-US" sz="2800" dirty="0" smtClean="0">
-              <a:solidFill>
-                <a:schemeClr val="accent3">
+                <a:schemeClr val="tx2">
                   <a:lumMod val="75000"/>
                 </a:schemeClr>
               </a:solidFill>
             </a:endParaRPr>
           </a:p>
           <a:p>
+            <a:pPr marL="0" indent="0">
+              <a:buNone/>
+            </a:pPr>
+            <a:endParaRPr lang="en-US" dirty="0">
+              <a:solidFill>
+                <a:schemeClr val="tx2">
+                  <a:lumMod val="75000"/>
+                </a:schemeClr>
+              </a:solidFill>
+            </a:endParaRPr>
+          </a:p>
+          <a:p>
+            <a:pPr marL="0" indent="0">
+              <a:buNone/>
+            </a:pPr>
+            <a:r>
+              <a:rPr lang="en-US" dirty="0" smtClean="0">
+                <a:solidFill>
+                  <a:schemeClr val="tx2">
+                    <a:lumMod val="75000"/>
+                  </a:schemeClr>
+                </a:solidFill>
+              </a:rPr>
+              <a:t>Some zipcodes </a:t>
+            </a:r>
+            <a:r>
+              <a:rPr lang="en-US" dirty="0">
+                <a:solidFill>
+                  <a:schemeClr val="tx2">
+                    <a:lumMod val="75000"/>
+                  </a:schemeClr>
+                </a:solidFill>
+              </a:rPr>
+              <a:t>showed a strong investment entry strategy at the beginning of each year and some </a:t>
+            </a:r>
+            <a:r>
+              <a:rPr lang="en-US" dirty="0" smtClean="0">
+                <a:solidFill>
+                  <a:schemeClr val="tx2">
+                    <a:lumMod val="75000"/>
+                  </a:schemeClr>
+                </a:solidFill>
+              </a:rPr>
+              <a:t>showed more </a:t>
+            </a:r>
+            <a:r>
+              <a:rPr lang="en-US" dirty="0">
+                <a:solidFill>
+                  <a:schemeClr val="tx2">
+                    <a:lumMod val="75000"/>
+                  </a:schemeClr>
+                </a:solidFill>
+              </a:rPr>
+              <a:t>than one strong investment entry point at the beginning and mid year.  </a:t>
+            </a:r>
+            <a:endParaRPr lang="en-US" dirty="0" smtClean="0">
+              <a:solidFill>
+                <a:schemeClr val="tx2">
+                  <a:lumMod val="75000"/>
+                </a:schemeClr>
+              </a:solidFill>
+            </a:endParaRPr>
+          </a:p>
+          <a:p>
+            <a:pPr marL="0" indent="0">
+              <a:buNone/>
+            </a:pPr>
+            <a:endParaRPr lang="en-US" dirty="0">
+              <a:solidFill>
+                <a:schemeClr val="tx2">
+                  <a:lumMod val="75000"/>
+                </a:schemeClr>
+              </a:solidFill>
+            </a:endParaRPr>
+          </a:p>
+          <a:p>
+            <a:pPr marL="0" indent="0">
+              <a:buNone/>
+            </a:pPr>
+            <a:r>
+              <a:rPr lang="en-US" dirty="0" smtClean="0">
+                <a:solidFill>
+                  <a:schemeClr val="tx2">
+                    <a:lumMod val="75000"/>
+                  </a:schemeClr>
+                </a:solidFill>
+              </a:rPr>
+              <a:t>The </a:t>
+            </a:r>
+            <a:r>
+              <a:rPr lang="en-US" dirty="0" smtClean="0">
+                <a:solidFill>
+                  <a:schemeClr val="tx2">
+                    <a:lumMod val="75000"/>
+                  </a:schemeClr>
+                </a:solidFill>
+              </a:rPr>
+              <a:t>data </a:t>
+            </a:r>
+            <a:r>
+              <a:rPr lang="en-US" dirty="0" smtClean="0">
+                <a:solidFill>
+                  <a:schemeClr val="tx2">
+                    <a:lumMod val="75000"/>
+                  </a:schemeClr>
+                </a:solidFill>
+              </a:rPr>
+              <a:t>can be analyzed over different time period averages for example yearly, monthly and daily.  This would require additional data gathering.</a:t>
+            </a:r>
+            <a:endParaRPr lang="en-US" dirty="0">
+              <a:solidFill>
+                <a:schemeClr val="tx2">
+                  <a:lumMod val="75000"/>
+                </a:schemeClr>
+              </a:solidFill>
+            </a:endParaRPr>
+          </a:p>
+          <a:p>
             <a:endParaRPr lang="en-US" dirty="0"/>
-          </a:p>
-          <a:p>
-            <a:endParaRPr lang="en-US" dirty="0" smtClean="0"/>
-          </a:p>
-          <a:p>
-            <a:endParaRPr lang="en-US" dirty="0" smtClean="0"/>
           </a:p>
         </p:txBody>
       </p:sp>
     </p:spTree>
     <p:extLst>
       <p:ext uri="{BB962C8B-B14F-4D97-AF65-F5344CB8AC3E}">
-        <p14:creationId xmlns:p14="http://schemas.microsoft.com/office/powerpoint/2010/main" val="3188862430"/>
+        <p14:creationId xmlns:p14="http://schemas.microsoft.com/office/powerpoint/2010/main" val="1718316130"/>
       </p:ext>
     </p:extLst>
   </p:cSld>
   <p:clrMapOvr>
     <a:masterClrMapping/>
   </p:clrMapOvr>
+  <p:timing>
+    <p:tnLst>
+      <p:par>
+        <p:cTn xmlns:p14="http://schemas.microsoft.com/office/powerpoint/2010/main" id="1" dur="indefinite" restart="never" nodeType="tmRoot"/>
+      </p:par>
+    </p:tnLst>
+  </p:timing>
 </p:sld>
 </file>
 
@@ -3783,290 +4059,6 @@
       </p:grpSpPr>
       <p:sp>
         <p:nvSpPr>
-          <p:cNvPr id="2" name="Title 1"/>
-          <p:cNvSpPr>
-            <a:spLocks noGrp="1"/>
-          </p:cNvSpPr>
-          <p:nvPr>
-            <p:ph type="title"/>
-          </p:nvPr>
-        </p:nvSpPr>
-        <p:spPr/>
-        <p:txBody>
-          <a:bodyPr/>
-          <a:lstStyle/>
-          <a:p>
-            <a:r>
-              <a:rPr lang="en-US" dirty="0" smtClean="0"/>
-              <a:t>Recommendations</a:t>
-            </a:r>
-            <a:endParaRPr lang="en-US" dirty="0"/>
-          </a:p>
-        </p:txBody>
-      </p:sp>
-      <p:sp>
-        <p:nvSpPr>
-          <p:cNvPr id="3" name="Content Placeholder 2"/>
-          <p:cNvSpPr>
-            <a:spLocks noGrp="1"/>
-          </p:cNvSpPr>
-          <p:nvPr>
-            <p:ph idx="1"/>
-          </p:nvPr>
-        </p:nvSpPr>
-        <p:spPr/>
-        <p:txBody>
-          <a:bodyPr>
-            <a:normAutofit fontScale="77500" lnSpcReduction="20000"/>
-          </a:bodyPr>
-          <a:lstStyle/>
-          <a:p>
-            <a:pPr marL="0" indent="0">
-              <a:buNone/>
-            </a:pPr>
-            <a:r>
-              <a:rPr lang="en-US" dirty="0" smtClean="0">
-                <a:solidFill>
-                  <a:schemeClr val="tx2">
-                    <a:lumMod val="75000"/>
-                  </a:schemeClr>
-                </a:solidFill>
-              </a:rPr>
-              <a:t>This </a:t>
-            </a:r>
-            <a:r>
-              <a:rPr lang="en-US" dirty="0">
-                <a:solidFill>
-                  <a:schemeClr val="tx2">
-                    <a:lumMod val="75000"/>
-                  </a:schemeClr>
-                </a:solidFill>
-              </a:rPr>
-              <a:t>analysis may be adjusted to </a:t>
-            </a:r>
-            <a:r>
-              <a:rPr lang="en-US" dirty="0" smtClean="0">
-                <a:solidFill>
-                  <a:schemeClr val="tx2">
-                    <a:lumMod val="75000"/>
-                  </a:schemeClr>
-                </a:solidFill>
-              </a:rPr>
-              <a:t>analyze </a:t>
-            </a:r>
-            <a:r>
-              <a:rPr lang="en-US" dirty="0">
-                <a:solidFill>
-                  <a:schemeClr val="tx2">
-                    <a:lumMod val="75000"/>
-                  </a:schemeClr>
-                </a:solidFill>
-              </a:rPr>
-              <a:t>data of a number of permutations of risk profiles including for example:</a:t>
-            </a:r>
-          </a:p>
-          <a:p>
-            <a:pPr marL="0" indent="0">
-              <a:buNone/>
-            </a:pPr>
-            <a:r>
-              <a:rPr lang="en-US" dirty="0">
-                <a:solidFill>
-                  <a:schemeClr val="tx2">
-                    <a:lumMod val="75000"/>
-                  </a:schemeClr>
-                </a:solidFill>
-              </a:rPr>
-              <a:t>    - </a:t>
-            </a:r>
-            <a:r>
-              <a:rPr lang="en-US" dirty="0" smtClean="0">
-                <a:solidFill>
-                  <a:schemeClr val="tx2">
-                    <a:lumMod val="75000"/>
-                  </a:schemeClr>
-                </a:solidFill>
-              </a:rPr>
-              <a:t>By Country, city</a:t>
-            </a:r>
-            <a:r>
-              <a:rPr lang="en-US" dirty="0">
-                <a:solidFill>
-                  <a:schemeClr val="tx2">
-                    <a:lumMod val="75000"/>
-                  </a:schemeClr>
-                </a:solidFill>
-              </a:rPr>
-              <a:t>, state or region code</a:t>
-            </a:r>
-          </a:p>
-          <a:p>
-            <a:pPr marL="0" indent="0">
-              <a:buNone/>
-            </a:pPr>
-            <a:r>
-              <a:rPr lang="en-US" dirty="0">
-                <a:solidFill>
-                  <a:schemeClr val="tx2">
-                    <a:lumMod val="75000"/>
-                  </a:schemeClr>
-                </a:solidFill>
-              </a:rPr>
-              <a:t>    - At different time periods including the full time </a:t>
-            </a:r>
-            <a:r>
-              <a:rPr lang="en-US" dirty="0" smtClean="0">
-                <a:solidFill>
-                  <a:schemeClr val="tx2">
-                    <a:lumMod val="75000"/>
-                  </a:schemeClr>
-                </a:solidFill>
-              </a:rPr>
-              <a:t>period or 	other entry points depending on the requirements of the 	investor.</a:t>
-            </a:r>
-            <a:endParaRPr lang="en-US" dirty="0">
-              <a:solidFill>
-                <a:schemeClr val="tx2">
-                  <a:lumMod val="75000"/>
-                </a:schemeClr>
-              </a:solidFill>
-            </a:endParaRPr>
-          </a:p>
-          <a:p>
-            <a:pPr marL="0" indent="0">
-              <a:buNone/>
-            </a:pPr>
-            <a:endParaRPr lang="en-US" dirty="0">
-              <a:solidFill>
-                <a:schemeClr val="tx2">
-                  <a:lumMod val="75000"/>
-                </a:schemeClr>
-              </a:solidFill>
-            </a:endParaRPr>
-          </a:p>
-          <a:p>
-            <a:pPr marL="0" indent="0">
-              <a:buNone/>
-            </a:pPr>
-            <a:r>
-              <a:rPr lang="en-US" dirty="0" smtClean="0">
-                <a:solidFill>
-                  <a:schemeClr val="tx2">
-                    <a:lumMod val="75000"/>
-                  </a:schemeClr>
-                </a:solidFill>
-              </a:rPr>
-              <a:t>Some zipcodes </a:t>
-            </a:r>
-            <a:r>
-              <a:rPr lang="en-US" dirty="0">
-                <a:solidFill>
-                  <a:schemeClr val="tx2">
-                    <a:lumMod val="75000"/>
-                  </a:schemeClr>
-                </a:solidFill>
-              </a:rPr>
-              <a:t>showed a strong investment entry strategy at the beginning of each year and some </a:t>
-            </a:r>
-            <a:r>
-              <a:rPr lang="en-US" dirty="0" smtClean="0">
-                <a:solidFill>
-                  <a:schemeClr val="tx2">
-                    <a:lumMod val="75000"/>
-                  </a:schemeClr>
-                </a:solidFill>
-              </a:rPr>
-              <a:t>showed more </a:t>
-            </a:r>
-            <a:r>
-              <a:rPr lang="en-US" dirty="0">
-                <a:solidFill>
-                  <a:schemeClr val="tx2">
-                    <a:lumMod val="75000"/>
-                  </a:schemeClr>
-                </a:solidFill>
-              </a:rPr>
-              <a:t>than one strong investment entry point at the beginning and mid year.  </a:t>
-            </a:r>
-            <a:endParaRPr lang="en-US" dirty="0" smtClean="0">
-              <a:solidFill>
-                <a:schemeClr val="tx2">
-                  <a:lumMod val="75000"/>
-                </a:schemeClr>
-              </a:solidFill>
-            </a:endParaRPr>
-          </a:p>
-          <a:p>
-            <a:pPr marL="0" indent="0">
-              <a:buNone/>
-            </a:pPr>
-            <a:endParaRPr lang="en-US" dirty="0">
-              <a:solidFill>
-                <a:schemeClr val="tx2">
-                  <a:lumMod val="75000"/>
-                </a:schemeClr>
-              </a:solidFill>
-            </a:endParaRPr>
-          </a:p>
-          <a:p>
-            <a:pPr marL="0" indent="0">
-              <a:buNone/>
-            </a:pPr>
-            <a:r>
-              <a:rPr lang="en-US" dirty="0" smtClean="0">
-                <a:solidFill>
-                  <a:schemeClr val="tx2">
-                    <a:lumMod val="75000"/>
-                  </a:schemeClr>
-                </a:solidFill>
-              </a:rPr>
-              <a:t>The Data can be analyzed over different time period averages for example yearly, monthly and daily</a:t>
-            </a:r>
-            <a:endParaRPr lang="en-US" dirty="0">
-              <a:solidFill>
-                <a:schemeClr val="tx2">
-                  <a:lumMod val="75000"/>
-                </a:schemeClr>
-              </a:solidFill>
-            </a:endParaRPr>
-          </a:p>
-          <a:p>
-            <a:endParaRPr lang="en-US" dirty="0"/>
-          </a:p>
-        </p:txBody>
-      </p:sp>
-    </p:spTree>
-    <p:extLst>
-      <p:ext uri="{BB962C8B-B14F-4D97-AF65-F5344CB8AC3E}">
-        <p14:creationId xmlns:p14="http://schemas.microsoft.com/office/powerpoint/2010/main" val="1718316130"/>
-      </p:ext>
-    </p:extLst>
-  </p:cSld>
-  <p:clrMapOvr>
-    <a:masterClrMapping/>
-  </p:clrMapOvr>
-</p:sld>
-</file>
-
-<file path=ppt/slides/slide14.xml><?xml version="1.0" encoding="utf-8"?>
-<p:sld xmlns:a="http://schemas.openxmlformats.org/drawingml/2006/main" xmlns:r="http://schemas.openxmlformats.org/officeDocument/2006/relationships" xmlns:p="http://schemas.openxmlformats.org/presentationml/2006/main">
-  <p:cSld>
-    <p:spTree>
-      <p:nvGrpSpPr>
-        <p:cNvPr id="1" name=""/>
-        <p:cNvGrpSpPr/>
-        <p:nvPr/>
-      </p:nvGrpSpPr>
-      <p:grpSpPr>
-        <a:xfrm>
-          <a:off x="0" y="0"/>
-          <a:ext cx="0" cy="0"/>
-          <a:chOff x="0" y="0"/>
-          <a:chExt cx="0" cy="0"/>
-        </a:xfrm>
-      </p:grpSpPr>
-      <p:sp>
-        <p:nvSpPr>
           <p:cNvPr id="3" name="Content Placeholder 2"/>
           <p:cNvSpPr>
             <a:spLocks noGrp="1"/>
@@ -4118,13 +4110,6 @@
               </a:rPr>
               <a:t>Thank You!</a:t>
             </a:r>
-            <a:endParaRPr lang="en-US" sz="7200" b="1" dirty="0" smtClean="0">
-              <a:solidFill>
-                <a:srgbClr val="376092"/>
-              </a:solidFill>
-              <a:latin typeface="Bradley Hand Bold"/>
-              <a:cs typeface="Bradley Hand Bold"/>
-            </a:endParaRPr>
           </a:p>
           <a:p>
             <a:endParaRPr lang="en-US" dirty="0"/>
@@ -4460,7 +4445,12 @@
             <p:ph idx="1"/>
           </p:nvPr>
         </p:nvSpPr>
-        <p:spPr/>
+        <p:spPr>
+          <a:xfrm>
+            <a:off x="1134978" y="2032519"/>
+            <a:ext cx="7051892" cy="4525963"/>
+          </a:xfrm>
+        </p:spPr>
         <p:txBody>
           <a:bodyPr>
             <a:normAutofit/>
@@ -4479,7 +4469,10 @@
             <a:r>
               <a:rPr lang="en-US" dirty="0" smtClean="0">
                 <a:solidFill>
-                  <a:srgbClr val="17375E"/>
+                  <a:schemeClr val="tx2">
+                    <a:lumMod val="60000"/>
+                    <a:lumOff val="40000"/>
+                  </a:schemeClr>
                 </a:solidFill>
               </a:rPr>
               <a:t>To provide </a:t>
@@ -4487,7 +4480,10 @@
             <a:r>
               <a:rPr lang="en-US" dirty="0">
                 <a:solidFill>
-                  <a:srgbClr val="17375E"/>
+                  <a:schemeClr val="tx2">
+                    <a:lumMod val="60000"/>
+                    <a:lumOff val="40000"/>
+                  </a:schemeClr>
                 </a:solidFill>
               </a:rPr>
               <a:t>analysis and predictions for investing in U.S real estate given the investor's risk and investment profile.</a:t>
@@ -4511,6 +4507,13 @@
   <p:clrMapOvr>
     <a:masterClrMapping/>
   </p:clrMapOvr>
+  <p:timing>
+    <p:tnLst>
+      <p:par>
+        <p:cTn xmlns:p14="http://schemas.microsoft.com/office/powerpoint/2010/main" id="1" dur="indefinite" restart="never" nodeType="tmRoot"/>
+      </p:par>
+    </p:tnLst>
+  </p:timing>
 </p:sld>
 </file>
 
@@ -4660,6 +4663,13 @@
   <p:clrMapOvr>
     <a:masterClrMapping/>
   </p:clrMapOvr>
+  <p:timing>
+    <p:tnLst>
+      <p:par>
+        <p:cTn xmlns:p14="http://schemas.microsoft.com/office/powerpoint/2010/main" id="1" dur="indefinite" restart="never" nodeType="tmRoot"/>
+      </p:par>
+    </p:tnLst>
+  </p:timing>
 </p:sld>
 </file>
 
@@ -4873,6 +4883,13 @@
   <p:clrMapOvr>
     <a:masterClrMapping/>
   </p:clrMapOvr>
+  <p:timing>
+    <p:tnLst>
+      <p:par>
+        <p:cTn xmlns:p14="http://schemas.microsoft.com/office/powerpoint/2010/main" id="1" dur="indefinite" restart="never" nodeType="tmRoot"/>
+      </p:par>
+    </p:tnLst>
+  </p:timing>
 </p:sld>
 </file>
 
@@ -4935,36 +4952,6 @@
           </a:p>
         </p:txBody>
       </p:sp>
-      <p:pic>
-        <p:nvPicPr>
-          <p:cNvPr id="4" name="Content Placeholder 3" descr="output_001.png"/>
-          <p:cNvPicPr>
-            <a:picLocks noGrp="1" noChangeAspect="1"/>
-          </p:cNvPicPr>
-          <p:nvPr>
-            <p:ph idx="1"/>
-          </p:nvPr>
-        </p:nvPicPr>
-        <p:blipFill>
-          <a:blip r:embed="rId2">
-            <a:extLst>
-              <a:ext uri="{28A0092B-C50C-407E-A947-70E740481C1C}">
-                <a14:useLocalDpi xmlns:a14="http://schemas.microsoft.com/office/drawing/2010/main" val="0"/>
-              </a:ext>
-            </a:extLst>
-          </a:blip>
-          <a:srcRect l="-21556" r="-21556"/>
-          <a:stretch>
-            <a:fillRect/>
-          </a:stretch>
-        </p:blipFill>
-        <p:spPr>
-          <a:xfrm>
-            <a:off x="-1331790" y="1053778"/>
-            <a:ext cx="8934726" cy="5674189"/>
-          </a:xfrm>
-        </p:spPr>
-      </p:pic>
       <p:sp>
         <p:nvSpPr>
           <p:cNvPr id="5" name="TextBox 4"/>
@@ -5012,6 +4999,36 @@
           </a:p>
         </p:txBody>
       </p:sp>
+      <p:pic>
+        <p:nvPicPr>
+          <p:cNvPr id="10" name="Picture 9" descr="output_001.png"/>
+          <p:cNvPicPr>
+            <a:picLocks noChangeAspect="1"/>
+          </p:cNvPicPr>
+          <p:nvPr/>
+        </p:nvPicPr>
+        <p:blipFill>
+          <a:blip r:embed="rId2">
+            <a:extLst>
+              <a:ext uri="{28A0092B-C50C-407E-A947-70E740481C1C}">
+                <a14:useLocalDpi xmlns:a14="http://schemas.microsoft.com/office/drawing/2010/main" val="0"/>
+              </a:ext>
+            </a:extLst>
+          </a:blip>
+          <a:stretch>
+            <a:fillRect/>
+          </a:stretch>
+        </p:blipFill>
+        <p:spPr>
+          <a:xfrm>
+            <a:off x="457200" y="932188"/>
+            <a:ext cx="5825710" cy="5620633"/>
+          </a:xfrm>
+          <a:prstGeom prst="rect">
+            <a:avLst/>
+          </a:prstGeom>
+        </p:spPr>
+      </p:pic>
     </p:spTree>
     <p:extLst>
       <p:ext uri="{BB962C8B-B14F-4D97-AF65-F5344CB8AC3E}">
@@ -5022,6 +5039,13 @@
   <p:clrMapOvr>
     <a:masterClrMapping/>
   </p:clrMapOvr>
+  <p:timing>
+    <p:tnLst>
+      <p:par>
+        <p:cTn xmlns:p14="http://schemas.microsoft.com/office/powerpoint/2010/main" id="1" dur="indefinite" restart="never" nodeType="tmRoot"/>
+      </p:par>
+    </p:tnLst>
+  </p:timing>
 </p:sld>
 </file>
 
@@ -5092,8 +5116,8 @@
         </p:nvSpPr>
         <p:spPr>
           <a:xfrm>
-            <a:off x="6282910" y="1972454"/>
-            <a:ext cx="2861089" cy="3539431"/>
+            <a:off x="6742307" y="1972454"/>
+            <a:ext cx="2401692" cy="3108544"/>
           </a:xfrm>
           <a:prstGeom prst="rect">
             <a:avLst/>
@@ -5112,15 +5136,15 @@
                   <a:srgbClr val="558ED5"/>
                 </a:solidFill>
               </a:rPr>
-              <a:t>Zipcodes’ average price did not decrease </a:t>
-            </a:r>
-            <a:r>
-              <a:rPr lang="en-US" sz="2800" dirty="0">
+              <a:t>Zipcodes’ average price </a:t>
+            </a:r>
+            <a:r>
+              <a:rPr lang="en-US" sz="2800" dirty="0" smtClean="0">
                 <a:solidFill>
                   <a:srgbClr val="558ED5"/>
                 </a:solidFill>
               </a:rPr>
-              <a:t>in value by more than the </a:t>
+              <a:t>was above the </a:t>
             </a:r>
             <a:r>
               <a:rPr lang="en-US" sz="2800" dirty="0" smtClean="0">
@@ -5128,7 +5152,15 @@
                   <a:srgbClr val="558ED5"/>
                 </a:solidFill>
               </a:rPr>
-              <a:t>average price during the property market crash.</a:t>
+              <a:t>average </a:t>
+            </a:r>
+            <a:r>
+              <a:rPr lang="en-US" sz="2800" dirty="0" smtClean="0">
+                <a:solidFill>
+                  <a:srgbClr val="558ED5"/>
+                </a:solidFill>
+              </a:rPr>
+              <a:t>price during the property market crash.</a:t>
             </a:r>
             <a:endParaRPr lang="en-US" sz="2800" dirty="0">
               <a:solidFill>
@@ -5140,7 +5172,7 @@
       </p:sp>
       <p:pic>
         <p:nvPicPr>
-          <p:cNvPr id="3" name="Picture 2" descr="output_002.png"/>
+          <p:cNvPr id="4" name="Picture 3" descr="output_002.png"/>
           <p:cNvPicPr>
             <a:picLocks noChangeAspect="1"/>
           </p:cNvPicPr>
@@ -5160,8 +5192,8 @@
         </p:blipFill>
         <p:spPr>
           <a:xfrm>
-            <a:off x="99820" y="932188"/>
-            <a:ext cx="5453463" cy="5740904"/>
+            <a:off x="457200" y="1395059"/>
+            <a:ext cx="6377491" cy="4262030"/>
           </a:xfrm>
           <a:prstGeom prst="rect">
             <a:avLst/>
@@ -5178,6 +5210,13 @@
   <p:clrMapOvr>
     <a:masterClrMapping/>
   </p:clrMapOvr>
+  <p:timing>
+    <p:tnLst>
+      <p:par>
+        <p:cTn xmlns:p14="http://schemas.microsoft.com/office/powerpoint/2010/main" id="1" dur="indefinite" restart="never" nodeType="tmRoot"/>
+      </p:par>
+    </p:tnLst>
+  </p:timing>
 </p:sld>
 </file>
 
@@ -5339,6 +5378,13 @@
   <p:clrMapOvr>
     <a:masterClrMapping/>
   </p:clrMapOvr>
+  <p:timing>
+    <p:tnLst>
+      <p:par>
+        <p:cTn xmlns:p14="http://schemas.microsoft.com/office/powerpoint/2010/main" id="1" dur="indefinite" restart="never" nodeType="tmRoot"/>
+      </p:par>
+    </p:tnLst>
+  </p:timing>
 </p:sld>
 </file>
 
@@ -5621,6 +5667,13 @@
   <p:clrMapOvr>
     <a:masterClrMapping/>
   </p:clrMapOvr>
+  <p:timing>
+    <p:tnLst>
+      <p:par>
+        <p:cTn xmlns:p14="http://schemas.microsoft.com/office/powerpoint/2010/main" id="1" dur="indefinite" restart="never" nodeType="tmRoot"/>
+      </p:par>
+    </p:tnLst>
+  </p:timing>
 </p:sld>
 </file>
 
@@ -5757,6 +5810,13 @@
   <p:clrMapOvr>
     <a:masterClrMapping/>
   </p:clrMapOvr>
+  <p:timing>
+    <p:tnLst>
+      <p:par>
+        <p:cTn xmlns:p14="http://schemas.microsoft.com/office/powerpoint/2010/main" id="1" dur="indefinite" restart="never" nodeType="tmRoot"/>
+      </p:par>
+    </p:tnLst>
+  </p:timing>
 </p:sld>
 </file>
 
